--- a/03 pnpcontrols.pptx
+++ b/03 pnpcontrols.pptx
@@ -127,14 +127,14 @@
           <p14:sldIdLst>
             <p14:sldId id="257"/>
             <p14:sldId id="263"/>
+          </p14:sldIdLst>
+        </p14:section>
+        <p14:section name="implement custom props" id="{34E8F58C-5812-6545-B617-761359EAAED0}">
+          <p14:sldIdLst>
             <p14:sldId id="1555"/>
             <p14:sldId id="1565"/>
             <p14:sldId id="1566"/>
             <p14:sldId id="1564"/>
-          </p14:sldIdLst>
-        </p14:section>
-        <p14:section name="implement custom props" id="{34E8F58C-5812-6545-B617-761359EAAED0}">
-          <p14:sldIdLst>
             <p14:sldId id="265"/>
           </p14:sldIdLst>
         </p14:section>
@@ -261,7 +261,7 @@
               <a:rPr lang="en-US" smtClean="0">
                 <a:latin typeface="Segoe UI" pitchFamily="34" charset="0"/>
               </a:rPr>
-              <a:t>12/11/18 1:49 PM</a:t>
+              <a:t>12/20/18 12:59 PM</a:t>
             </a:fld>
             <a:endParaRPr lang="en-US" dirty="0">
               <a:latin typeface="Segoe UI" pitchFamily="34" charset="0"/>
@@ -555,7 +555,7 @@
           <a:p>
             <a:fld id="{D18B56EA-E28F-4F92-9F16-7A6F2501B303}" type="datetime8">
               <a:rPr lang="en-US" smtClean="0"/>
-              <a:t>12/11/18 1:49 PM</a:t>
+              <a:t>12/20/18 12:59 PM</a:t>
             </a:fld>
             <a:endParaRPr lang="en-US" dirty="0"/>
           </a:p>
@@ -938,7 +938,7 @@
           <a:p>
             <a:fld id="{D18B56EA-E28F-4F92-9F16-7A6F2501B303}" type="datetime8">
               <a:rPr lang="en-US" smtClean="0"/>
-              <a:t>12/11/18 2:26 PM</a:t>
+              <a:t>12/20/18 12:59 PM</a:t>
             </a:fld>
             <a:endParaRPr lang="en-US" dirty="0"/>
           </a:p>
@@ -1119,7 +1119,7 @@
           <a:p>
             <a:fld id="{D18B56EA-E28F-4F92-9F16-7A6F2501B303}" type="datetime8">
               <a:rPr lang="en-US" smtClean="0"/>
-              <a:t>12/11/18 1:49 PM</a:t>
+              <a:t>12/20/18 12:59 PM</a:t>
             </a:fld>
             <a:endParaRPr lang="en-US" dirty="0"/>
           </a:p>
@@ -1462,7 +1462,7 @@
           <a:p>
             <a:fld id="{D18B56EA-E28F-4F92-9F16-7A6F2501B303}" type="datetime8">
               <a:rPr lang="en-US" smtClean="0"/>
-              <a:t>12/11/18 2:41 PM</a:t>
+              <a:t>12/20/18 12:59 PM</a:t>
             </a:fld>
             <a:endParaRPr lang="en-US" dirty="0"/>
           </a:p>
@@ -1643,7 +1643,7 @@
           <a:p>
             <a:fld id="{D18B56EA-E28F-4F92-9F16-7A6F2501B303}" type="datetime8">
               <a:rPr lang="en-US" smtClean="0"/>
-              <a:t>12/11/18 2:28 PM</a:t>
+              <a:t>12/20/18 12:59 PM</a:t>
             </a:fld>
             <a:endParaRPr lang="en-US" dirty="0"/>
           </a:p>
@@ -1824,7 +1824,7 @@
           <a:p>
             <a:fld id="{D18B56EA-E28F-4F92-9F16-7A6F2501B303}" type="datetime8">
               <a:rPr lang="en-US" smtClean="0"/>
-              <a:t>12/11/18 1:49 PM</a:t>
+              <a:t>12/20/18 12:59 PM</a:t>
             </a:fld>
             <a:endParaRPr lang="en-US" dirty="0"/>
           </a:p>
@@ -2005,7 +2005,7 @@
           <a:p>
             <a:fld id="{D18B56EA-E28F-4F92-9F16-7A6F2501B303}" type="datetime8">
               <a:rPr lang="en-US" smtClean="0"/>
-              <a:t>12/11/18 1:49 PM</a:t>
+              <a:t>12/20/18 12:59 PM</a:t>
             </a:fld>
             <a:endParaRPr lang="en-US" dirty="0"/>
           </a:p>
@@ -6705,254 +6705,8 @@
 </file>
 
 <file path=ppt/slideLayouts/slideLayout26.xml><?xml version="1.0" encoding="utf-8"?>
-<p:sldLayout xmlns:a="http://schemas.openxmlformats.org/drawingml/2006/main" xmlns:r="http://schemas.openxmlformats.org/officeDocument/2006/relationships" xmlns:p="http://schemas.openxmlformats.org/presentationml/2006/main" userDrawn="1">
-  <p:cSld name="Title Only">
-    <p:spTree>
-      <p:nvGrpSpPr>
-        <p:cNvPr id="1" name=""/>
-        <p:cNvGrpSpPr/>
-        <p:nvPr/>
-      </p:nvGrpSpPr>
-      <p:grpSpPr>
-        <a:xfrm>
-          <a:off x="0" y="0"/>
-          <a:ext cx="0" cy="0"/>
-          <a:chOff x="0" y="0"/>
-          <a:chExt cx="0" cy="0"/>
-        </a:xfrm>
-      </p:grpSpPr>
-      <p:sp>
-        <p:nvSpPr>
-          <p:cNvPr id="2" name="Title 1"/>
-          <p:cNvSpPr>
-            <a:spLocks noGrp="1"/>
-          </p:cNvSpPr>
-          <p:nvPr>
-            <p:ph type="title"/>
-          </p:nvPr>
-        </p:nvSpPr>
-        <p:spPr/>
-        <p:txBody>
-          <a:bodyPr/>
-          <a:lstStyle/>
-          <a:p>
-            <a:r>
-              <a:rPr lang="en-US"/>
-              <a:t>Click to edit Master title style</a:t>
-            </a:r>
-            <a:endParaRPr lang="en-US" dirty="0"/>
-          </a:p>
-        </p:txBody>
-      </p:sp>
-      <p:pic>
-        <p:nvPicPr>
-          <p:cNvPr id="5" name="Picture 4"/>
-          <p:cNvPicPr>
-            <a:picLocks noChangeAspect="1"/>
-          </p:cNvPicPr>
-          <p:nvPr userDrawn="1"/>
-        </p:nvPicPr>
-        <p:blipFill>
-          <a:blip r:embed="rId2">
-            <a:extLst>
-              <a:ext uri="{28A0092B-C50C-407E-A947-70E740481C1C}">
-                <a14:useLocalDpi xmlns:a14="http://schemas.microsoft.com/office/drawing/2010/main" val="0"/>
-              </a:ext>
-            </a:extLst>
-          </a:blip>
-          <a:stretch>
-            <a:fillRect/>
-          </a:stretch>
-        </p:blipFill>
-        <p:spPr>
-          <a:xfrm>
-            <a:off x="10933639" y="6533467"/>
-            <a:ext cx="1501954" cy="477297"/>
-          </a:xfrm>
-          <a:prstGeom prst="rect">
-            <a:avLst/>
-          </a:prstGeom>
-        </p:spPr>
-      </p:pic>
-    </p:spTree>
-    <p:extLst>
-      <p:ext uri="{BB962C8B-B14F-4D97-AF65-F5344CB8AC3E}">
-        <p14:creationId xmlns:p14="http://schemas.microsoft.com/office/powerpoint/2010/main" val="1799115155"/>
-      </p:ext>
-    </p:extLst>
-  </p:cSld>
-  <p:clrMapOvr>
-    <a:masterClrMapping/>
-  </p:clrMapOvr>
-  <p:transition>
-    <p:fade/>
-  </p:transition>
-</p:sldLayout>
-</file>
-
-<file path=ppt/slideLayouts/slideLayout27.xml><?xml version="1.0" encoding="utf-8"?>
-<p:sldLayout xmlns:a="http://schemas.openxmlformats.org/drawingml/2006/main" xmlns:r="http://schemas.openxmlformats.org/officeDocument/2006/relationships" xmlns:p="http://schemas.openxmlformats.org/presentationml/2006/main" userDrawn="1">
-  <p:cSld name="Title and Content">
-    <p:spTree>
-      <p:nvGrpSpPr>
-        <p:cNvPr id="1" name=""/>
-        <p:cNvGrpSpPr/>
-        <p:nvPr/>
-      </p:nvGrpSpPr>
-      <p:grpSpPr>
-        <a:xfrm>
-          <a:off x="0" y="0"/>
-          <a:ext cx="0" cy="0"/>
-          <a:chOff x="0" y="0"/>
-          <a:chExt cx="0" cy="0"/>
-        </a:xfrm>
-      </p:grpSpPr>
-      <p:sp>
-        <p:nvSpPr>
-          <p:cNvPr id="4" name="Text Placeholder 3"/>
-          <p:cNvSpPr>
-            <a:spLocks noGrp="1"/>
-          </p:cNvSpPr>
-          <p:nvPr>
-            <p:ph type="body" sz="quarter" idx="10"/>
-          </p:nvPr>
-        </p:nvSpPr>
-        <p:spPr>
-          <a:xfrm>
-            <a:off x="274638" y="1212850"/>
-            <a:ext cx="11887200" cy="1889748"/>
-          </a:xfrm>
-        </p:spPr>
-        <p:txBody>
-          <a:bodyPr>
-            <a:spAutoFit/>
-          </a:bodyPr>
-          <a:lstStyle>
-            <a:lvl1pPr>
-              <a:defRPr sz="4000"/>
-            </a:lvl1pPr>
-            <a:lvl2pPr>
-              <a:defRPr sz="2000"/>
-            </a:lvl2pPr>
-            <a:lvl3pPr>
-              <a:defRPr sz="1800"/>
-            </a:lvl3pPr>
-            <a:lvl4pPr>
-              <a:defRPr sz="1600"/>
-            </a:lvl4pPr>
-            <a:lvl5pPr>
-              <a:defRPr sz="1400"/>
-            </a:lvl5pPr>
-          </a:lstStyle>
-          <a:p>
-            <a:pPr lvl="0"/>
-            <a:r>
-              <a:rPr lang="en-US"/>
-              <a:t>Edit Master text styles</a:t>
-            </a:r>
-          </a:p>
-          <a:p>
-            <a:pPr lvl="1"/>
-            <a:r>
-              <a:rPr lang="en-US"/>
-              <a:t>Second level</a:t>
-            </a:r>
-          </a:p>
-          <a:p>
-            <a:pPr lvl="2"/>
-            <a:r>
-              <a:rPr lang="en-US"/>
-              <a:t>Third level</a:t>
-            </a:r>
-          </a:p>
-          <a:p>
-            <a:pPr lvl="3"/>
-            <a:r>
-              <a:rPr lang="en-US"/>
-              <a:t>Fourth level</a:t>
-            </a:r>
-          </a:p>
-          <a:p>
-            <a:pPr lvl="4"/>
-            <a:r>
-              <a:rPr lang="en-US"/>
-              <a:t>Fifth level</a:t>
-            </a:r>
-            <a:endParaRPr lang="en-US" dirty="0"/>
-          </a:p>
-        </p:txBody>
-      </p:sp>
-      <p:sp>
-        <p:nvSpPr>
-          <p:cNvPr id="6" name="Title 5"/>
-          <p:cNvSpPr>
-            <a:spLocks noGrp="1"/>
-          </p:cNvSpPr>
-          <p:nvPr>
-            <p:ph type="title"/>
-          </p:nvPr>
-        </p:nvSpPr>
-        <p:spPr/>
-        <p:txBody>
-          <a:bodyPr/>
-          <a:lstStyle/>
-          <a:p>
-            <a:r>
-              <a:rPr lang="en-US"/>
-              <a:t>Click to edit Master title style</a:t>
-            </a:r>
-          </a:p>
-        </p:txBody>
-      </p:sp>
-      <p:pic>
-        <p:nvPicPr>
-          <p:cNvPr id="8" name="Picture 7"/>
-          <p:cNvPicPr>
-            <a:picLocks noChangeAspect="1"/>
-          </p:cNvPicPr>
-          <p:nvPr userDrawn="1"/>
-        </p:nvPicPr>
-        <p:blipFill>
-          <a:blip r:embed="rId2">
-            <a:extLst>
-              <a:ext uri="{28A0092B-C50C-407E-A947-70E740481C1C}">
-                <a14:useLocalDpi xmlns:a14="http://schemas.microsoft.com/office/drawing/2010/main" val="0"/>
-              </a:ext>
-            </a:extLst>
-          </a:blip>
-          <a:stretch>
-            <a:fillRect/>
-          </a:stretch>
-        </p:blipFill>
-        <p:spPr>
-          <a:xfrm>
-            <a:off x="10933639" y="6533467"/>
-            <a:ext cx="1501954" cy="477297"/>
-          </a:xfrm>
-          <a:prstGeom prst="rect">
-            <a:avLst/>
-          </a:prstGeom>
-        </p:spPr>
-      </p:pic>
-    </p:spTree>
-    <p:extLst>
-      <p:ext uri="{BB962C8B-B14F-4D97-AF65-F5344CB8AC3E}">
-        <p14:creationId xmlns:p14="http://schemas.microsoft.com/office/powerpoint/2010/main" val="3511448209"/>
-      </p:ext>
-    </p:extLst>
-  </p:cSld>
-  <p:clrMapOvr>
-    <a:masterClrMapping/>
-  </p:clrMapOvr>
-  <p:transition>
-    <p:fade/>
-  </p:transition>
-</p:sldLayout>
-</file>
-
-<file path=ppt/slideLayouts/slideLayout28.xml><?xml version="1.0" encoding="utf-8"?>
-<p:sldLayout xmlns:a="http://schemas.openxmlformats.org/drawingml/2006/main" xmlns:r="http://schemas.openxmlformats.org/officeDocument/2006/relationships" xmlns:p="http://schemas.openxmlformats.org/presentationml/2006/main" userDrawn="1">
-  <p:cSld name="Developer Code Layout">
+<p:sldLayout xmlns:a="http://schemas.openxmlformats.org/drawingml/2006/main" xmlns:r="http://schemas.openxmlformats.org/officeDocument/2006/relationships" xmlns:p="http://schemas.openxmlformats.org/presentationml/2006/main" preserve="1" userDrawn="1">
+  <p:cSld name="1_Developer Code Layout">
     <p:spTree>
       <p:nvGrpSpPr>
         <p:cNvPr id="1" name=""/>
@@ -6977,27 +6731,31 @@
             <p:ph type="title" hasCustomPrompt="1"/>
           </p:nvPr>
         </p:nvSpPr>
-        <p:spPr/>
+        <p:spPr>
+          <a:xfrm>
+            <a:off x="464400" y="633600"/>
+            <a:ext cx="11575200" cy="410369"/>
+          </a:xfrm>
+        </p:spPr>
         <p:txBody>
-          <a:bodyPr/>
+          <a:bodyPr vert="horz" wrap="square" lIns="0" tIns="0" rIns="0" bIns="0" rtlCol="0" anchor="t">
+            <a:spAutoFit/>
+          </a:bodyPr>
           <a:lstStyle>
             <a:lvl1pPr>
-              <a:defRPr>
-                <a:gradFill>
-                  <a:gsLst>
-                    <a:gs pos="1250">
-                      <a:schemeClr val="tx2"/>
-                    </a:gs>
-                    <a:gs pos="100000">
-                      <a:schemeClr val="tx2"/>
-                    </a:gs>
-                  </a:gsLst>
-                  <a:lin ang="5400000" scaled="0"/>
-                </a:gradFill>
+              <a:defRPr lang="en-US" sz="2800" dirty="0">
+                <a:solidFill>
+                  <a:srgbClr val="2F2F2F"/>
+                </a:solidFill>
               </a:defRPr>
             </a:lvl1pPr>
           </a:lstStyle>
           <a:p>
+            <a:pPr lvl="0">
+              <a:lnSpc>
+                <a:spcPts val="3200"/>
+              </a:lnSpc>
+            </a:pPr>
             <a:r>
               <a:rPr lang="en-US" dirty="0"/>
               <a:t>Slide for Developer Code</a:t>
@@ -7090,8 +6848,8 @@
         </p:nvSpPr>
         <p:spPr>
           <a:xfrm>
-            <a:off x="528849" y="1476622"/>
-            <a:ext cx="11378776" cy="2360774"/>
+            <a:off x="464400" y="1178952"/>
+            <a:ext cx="11575200" cy="2658444"/>
           </a:xfrm>
         </p:spPr>
         <p:txBody>
@@ -7206,45 +6964,350 @@
           <a:p>
             <a:pPr lvl="0"/>
             <a:r>
-              <a:rPr lang="en-US"/>
+              <a:rPr lang="en-US" dirty="0"/>
               <a:t>Click to edit Master text styles</a:t>
             </a:r>
           </a:p>
           <a:p>
             <a:pPr lvl="1"/>
             <a:r>
-              <a:rPr lang="en-US"/>
+              <a:rPr lang="en-US" dirty="0"/>
               <a:t>Second level</a:t>
             </a:r>
           </a:p>
           <a:p>
             <a:pPr lvl="2"/>
             <a:r>
-              <a:rPr lang="en-US"/>
+              <a:rPr lang="en-US" dirty="0"/>
               <a:t>Third level</a:t>
             </a:r>
           </a:p>
           <a:p>
             <a:pPr lvl="3"/>
             <a:r>
-              <a:rPr lang="en-US"/>
+              <a:rPr lang="en-US" dirty="0"/>
               <a:t>Fourth level</a:t>
             </a:r>
           </a:p>
           <a:p>
             <a:pPr lvl="4"/>
             <a:r>
-              <a:rPr lang="en-US"/>
+              <a:rPr lang="en-US" dirty="0"/>
               <a:t>Fifth level</a:t>
             </a:r>
-            <a:endParaRPr lang="en-US" dirty="0"/>
           </a:p>
         </p:txBody>
       </p:sp>
     </p:spTree>
     <p:extLst>
       <p:ext uri="{BB962C8B-B14F-4D97-AF65-F5344CB8AC3E}">
-        <p14:creationId xmlns:p14="http://schemas.microsoft.com/office/powerpoint/2010/main" val="3043294057"/>
+        <p14:creationId xmlns:p14="http://schemas.microsoft.com/office/powerpoint/2010/main" val="708849554"/>
+      </p:ext>
+    </p:extLst>
+  </p:cSld>
+  <p:clrMapOvr>
+    <a:masterClrMapping/>
+  </p:clrMapOvr>
+  <p:transition>
+    <p:fade/>
+  </p:transition>
+</p:sldLayout>
+</file>
+
+<file path=ppt/slideLayouts/slideLayout27.xml><?xml version="1.0" encoding="utf-8"?>
+<p:sldLayout xmlns:a="http://schemas.openxmlformats.org/drawingml/2006/main" xmlns:r="http://schemas.openxmlformats.org/officeDocument/2006/relationships" xmlns:p="http://schemas.openxmlformats.org/presentationml/2006/main" preserve="1" userDrawn="1">
+  <p:cSld name="Title &amp; 2-color Non-bulleted text">
+    <p:spTree>
+      <p:nvGrpSpPr>
+        <p:cNvPr id="1" name=""/>
+        <p:cNvGrpSpPr/>
+        <p:nvPr/>
+      </p:nvGrpSpPr>
+      <p:grpSpPr>
+        <a:xfrm>
+          <a:off x="0" y="0"/>
+          <a:ext cx="0" cy="0"/>
+          <a:chOff x="0" y="0"/>
+          <a:chExt cx="0" cy="0"/>
+        </a:xfrm>
+      </p:grpSpPr>
+      <p:sp>
+        <p:nvSpPr>
+          <p:cNvPr id="2" name="Title 1"/>
+          <p:cNvSpPr>
+            <a:spLocks noGrp="1"/>
+          </p:cNvSpPr>
+          <p:nvPr>
+            <p:ph type="title"/>
+          </p:nvPr>
+        </p:nvSpPr>
+        <p:spPr>
+          <a:xfrm>
+            <a:off x="464400" y="633600"/>
+            <a:ext cx="11574000" cy="410369"/>
+          </a:xfrm>
+        </p:spPr>
+        <p:txBody>
+          <a:bodyPr vert="horz" wrap="square" lIns="0" tIns="0" rIns="0" bIns="0" rtlCol="0" anchor="t">
+            <a:spAutoFit/>
+          </a:bodyPr>
+          <a:lstStyle>
+            <a:lvl1pPr>
+              <a:defRPr lang="en-US" sz="2800" dirty="0">
+                <a:solidFill>
+                  <a:srgbClr val="2F2F2F"/>
+                </a:solidFill>
+              </a:defRPr>
+            </a:lvl1pPr>
+          </a:lstStyle>
+          <a:p>
+            <a:pPr lvl="0">
+              <a:lnSpc>
+                <a:spcPts val="3200"/>
+              </a:lnSpc>
+            </a:pPr>
+            <a:r>
+              <a:rPr lang="en-US" dirty="0"/>
+              <a:t>Click to edit Master title style</a:t>
+            </a:r>
+          </a:p>
+        </p:txBody>
+      </p:sp>
+      <p:sp>
+        <p:nvSpPr>
+          <p:cNvPr id="6" name="Text Placeholder 5"/>
+          <p:cNvSpPr>
+            <a:spLocks noGrp="1"/>
+          </p:cNvSpPr>
+          <p:nvPr>
+            <p:ph type="body" sz="quarter" idx="10"/>
+          </p:nvPr>
+        </p:nvSpPr>
+        <p:spPr>
+          <a:xfrm>
+            <a:off x="464400" y="1212850"/>
+            <a:ext cx="11574000" cy="1346522"/>
+          </a:xfrm>
+        </p:spPr>
+        <p:txBody>
+          <a:bodyPr/>
+          <a:lstStyle>
+            <a:lvl1pPr marL="0" indent="0">
+              <a:buNone/>
+              <a:defRPr sz="2400">
+                <a:solidFill>
+                  <a:schemeClr val="tx2"/>
+                </a:solidFill>
+              </a:defRPr>
+            </a:lvl1pPr>
+            <a:lvl2pPr marL="0" indent="0">
+              <a:buFontTx/>
+              <a:buNone/>
+              <a:defRPr sz="1400"/>
+            </a:lvl2pPr>
+            <a:lvl3pPr marL="228600" indent="0">
+              <a:buNone/>
+              <a:defRPr sz="1200"/>
+            </a:lvl3pPr>
+            <a:lvl4pPr marL="457200" indent="0">
+              <a:buNone/>
+              <a:defRPr sz="1100"/>
+            </a:lvl4pPr>
+            <a:lvl5pPr marL="685800" indent="0">
+              <a:buNone/>
+              <a:defRPr sz="1050"/>
+            </a:lvl5pPr>
+          </a:lstStyle>
+          <a:p>
+            <a:pPr lvl="0"/>
+            <a:r>
+              <a:rPr lang="en-US" dirty="0"/>
+              <a:t>Edit Master text styles</a:t>
+            </a:r>
+          </a:p>
+          <a:p>
+            <a:pPr lvl="1"/>
+            <a:r>
+              <a:rPr lang="en-US" dirty="0"/>
+              <a:t>Second level</a:t>
+            </a:r>
+          </a:p>
+          <a:p>
+            <a:pPr lvl="2"/>
+            <a:r>
+              <a:rPr lang="en-US" dirty="0"/>
+              <a:t>Third level</a:t>
+            </a:r>
+          </a:p>
+          <a:p>
+            <a:pPr lvl="3"/>
+            <a:r>
+              <a:rPr lang="en-US" dirty="0"/>
+              <a:t>Fourth level</a:t>
+            </a:r>
+          </a:p>
+          <a:p>
+            <a:pPr lvl="4"/>
+            <a:r>
+              <a:rPr lang="en-US" dirty="0"/>
+              <a:t>Fifth level</a:t>
+            </a:r>
+          </a:p>
+        </p:txBody>
+      </p:sp>
+    </p:spTree>
+    <p:extLst>
+      <p:ext uri="{BB962C8B-B14F-4D97-AF65-F5344CB8AC3E}">
+        <p14:creationId xmlns:p14="http://schemas.microsoft.com/office/powerpoint/2010/main" val="2536016046"/>
+      </p:ext>
+    </p:extLst>
+  </p:cSld>
+  <p:clrMapOvr>
+    <a:masterClrMapping/>
+  </p:clrMapOvr>
+  <p:transition>
+    <p:fade/>
+  </p:transition>
+</p:sldLayout>
+</file>
+
+<file path=ppt/slideLayouts/slideLayout28.xml><?xml version="1.0" encoding="utf-8"?>
+<p:sldLayout xmlns:a="http://schemas.openxmlformats.org/drawingml/2006/main" xmlns:r="http://schemas.openxmlformats.org/officeDocument/2006/relationships" xmlns:p="http://schemas.openxmlformats.org/presentationml/2006/main" preserve="1" userDrawn="1">
+  <p:cSld name="1_Title and Content">
+    <p:spTree>
+      <p:nvGrpSpPr>
+        <p:cNvPr id="1" name=""/>
+        <p:cNvGrpSpPr/>
+        <p:nvPr/>
+      </p:nvGrpSpPr>
+      <p:grpSpPr>
+        <a:xfrm>
+          <a:off x="0" y="0"/>
+          <a:ext cx="0" cy="0"/>
+          <a:chOff x="0" y="0"/>
+          <a:chExt cx="0" cy="0"/>
+        </a:xfrm>
+      </p:grpSpPr>
+      <p:sp>
+        <p:nvSpPr>
+          <p:cNvPr id="4" name="Text Placeholder 3"/>
+          <p:cNvSpPr>
+            <a:spLocks noGrp="1"/>
+          </p:cNvSpPr>
+          <p:nvPr>
+            <p:ph type="body" sz="quarter" idx="10"/>
+          </p:nvPr>
+        </p:nvSpPr>
+        <p:spPr>
+          <a:xfrm>
+            <a:off x="464400" y="1212850"/>
+            <a:ext cx="11574000" cy="1566583"/>
+          </a:xfrm>
+        </p:spPr>
+        <p:txBody>
+          <a:bodyPr>
+            <a:spAutoFit/>
+          </a:bodyPr>
+          <a:lstStyle>
+            <a:lvl1pPr>
+              <a:defRPr sz="2400"/>
+            </a:lvl1pPr>
+            <a:lvl2pPr>
+              <a:defRPr sz="1800"/>
+            </a:lvl2pPr>
+            <a:lvl3pPr>
+              <a:defRPr sz="1600"/>
+            </a:lvl3pPr>
+            <a:lvl4pPr>
+              <a:defRPr sz="1400"/>
+            </a:lvl4pPr>
+            <a:lvl5pPr>
+              <a:defRPr sz="1400"/>
+            </a:lvl5pPr>
+          </a:lstStyle>
+          <a:p>
+            <a:pPr lvl="0"/>
+            <a:r>
+              <a:rPr lang="en-US" dirty="0"/>
+              <a:t>Edit Master text styles</a:t>
+            </a:r>
+          </a:p>
+          <a:p>
+            <a:pPr lvl="1"/>
+            <a:r>
+              <a:rPr lang="en-US" dirty="0"/>
+              <a:t>Second level</a:t>
+            </a:r>
+          </a:p>
+          <a:p>
+            <a:pPr lvl="2"/>
+            <a:r>
+              <a:rPr lang="en-US" dirty="0"/>
+              <a:t>Third level</a:t>
+            </a:r>
+          </a:p>
+          <a:p>
+            <a:pPr lvl="3"/>
+            <a:r>
+              <a:rPr lang="en-US" dirty="0"/>
+              <a:t>Fourth level</a:t>
+            </a:r>
+          </a:p>
+          <a:p>
+            <a:pPr lvl="4"/>
+            <a:r>
+              <a:rPr lang="en-US" dirty="0"/>
+              <a:t>Fifth level</a:t>
+            </a:r>
+          </a:p>
+        </p:txBody>
+      </p:sp>
+      <p:sp>
+        <p:nvSpPr>
+          <p:cNvPr id="6" name="Title 5"/>
+          <p:cNvSpPr>
+            <a:spLocks noGrp="1"/>
+          </p:cNvSpPr>
+          <p:nvPr>
+            <p:ph type="title"/>
+          </p:nvPr>
+        </p:nvSpPr>
+        <p:spPr>
+          <a:xfrm>
+            <a:off x="464400" y="633600"/>
+            <a:ext cx="11574000" cy="410369"/>
+          </a:xfrm>
+        </p:spPr>
+        <p:txBody>
+          <a:bodyPr vert="horz" wrap="square" lIns="0" tIns="0" rIns="0" bIns="0" rtlCol="0" anchor="t">
+            <a:spAutoFit/>
+          </a:bodyPr>
+          <a:lstStyle>
+            <a:lvl1pPr>
+              <a:defRPr lang="en-US" sz="2800">
+                <a:solidFill>
+                  <a:srgbClr val="2F2F2F"/>
+                </a:solidFill>
+              </a:defRPr>
+            </a:lvl1pPr>
+          </a:lstStyle>
+          <a:p>
+            <a:pPr lvl="0">
+              <a:lnSpc>
+                <a:spcPts val="3200"/>
+              </a:lnSpc>
+            </a:pPr>
+            <a:r>
+              <a:rPr lang="en-US" dirty="0"/>
+              <a:t>Click to edit Master title style</a:t>
+            </a:r>
+          </a:p>
+        </p:txBody>
+      </p:sp>
+    </p:spTree>
+    <p:extLst>
+      <p:ext uri="{BB962C8B-B14F-4D97-AF65-F5344CB8AC3E}">
+        <p14:creationId xmlns:p14="http://schemas.microsoft.com/office/powerpoint/2010/main" val="1908806978"/>
       </p:ext>
     </p:extLst>
   </p:cSld>
@@ -14153,9 +14216,9 @@
     <p:sldLayoutId id="2147484545" r:id="rId23"/>
     <p:sldLayoutId id="2147484546" r:id="rId24"/>
     <p:sldLayoutId id="2147484299" r:id="rId25"/>
-    <p:sldLayoutId id="2147484557" r:id="rId26"/>
-    <p:sldLayoutId id="2147484558" r:id="rId27"/>
-    <p:sldLayoutId id="2147484559" r:id="rId28"/>
+    <p:sldLayoutId id="2147484560" r:id="rId26"/>
+    <p:sldLayoutId id="2147484561" r:id="rId27"/>
+    <p:sldLayoutId id="2147484562" r:id="rId28"/>
   </p:sldLayoutIdLst>
   <p:transition>
     <p:fade/>
@@ -15110,12 +15173,7 @@
             <p:ph type="body" sz="quarter" idx="10"/>
           </p:nvPr>
         </p:nvSpPr>
-        <p:spPr>
-          <a:xfrm>
-            <a:off x="274638" y="1212850"/>
-            <a:ext cx="11887200" cy="4832092"/>
-          </a:xfrm>
-        </p:spPr>
+        <p:spPr/>
         <p:txBody>
           <a:bodyPr/>
           <a:lstStyle/>
@@ -15252,12 +15310,7 @@
             <p:ph type="body" sz="quarter" idx="10"/>
           </p:nvPr>
         </p:nvSpPr>
-        <p:spPr>
-          <a:xfrm>
-            <a:off x="274638" y="1212850"/>
-            <a:ext cx="11887200" cy="5773888"/>
-          </a:xfrm>
-        </p:spPr>
+        <p:spPr/>
         <p:txBody>
           <a:bodyPr/>
           <a:lstStyle/>
@@ -15297,13 +15350,13 @@
           </a:p>
           <a:p>
             <a:r>
-              <a:rPr lang="en-US" sz="3200" dirty="0">
+              <a:rPr lang="en-US" dirty="0">
                 <a:hlinkClick r:id="rId2"/>
               </a:rPr>
               <a:t>https://sharepoint.github.io/sp-dev-fx-property-controls</a:t>
             </a:r>
             <a:r>
-              <a:rPr lang="en-US" sz="3200" dirty="0"/>
+              <a:rPr lang="en-US" dirty="0"/>
               <a:t> </a:t>
             </a:r>
           </a:p>
@@ -15421,12 +15474,7 @@
             <p:ph type="body" sz="quarter" idx="10"/>
           </p:nvPr>
         </p:nvSpPr>
-        <p:spPr>
-          <a:xfrm>
-            <a:off x="274638" y="1212850"/>
-            <a:ext cx="11887200" cy="5139869"/>
-          </a:xfrm>
-        </p:spPr>
+        <p:spPr/>
         <p:txBody>
           <a:bodyPr/>
           <a:lstStyle/>
@@ -15696,12 +15744,7 @@
             <p:ph type="body" sz="quarter" idx="10"/>
           </p:nvPr>
         </p:nvSpPr>
-        <p:spPr>
-          <a:xfrm>
-            <a:off x="528849" y="1476622"/>
-            <a:ext cx="11378776" cy="5301451"/>
-          </a:xfrm>
-        </p:spPr>
+        <p:spPr/>
         <p:txBody>
           <a:bodyPr/>
           <a:lstStyle/>

--- a/03 pnpcontrols.pptx
+++ b/03 pnpcontrols.pptx
@@ -14,9 +14,9 @@
     <p:sldId id="257" r:id="rId3"/>
     <p:sldId id="263" r:id="rId4"/>
     <p:sldId id="1555" r:id="rId5"/>
-    <p:sldId id="1565" r:id="rId6"/>
-    <p:sldId id="1566" r:id="rId7"/>
-    <p:sldId id="1564" r:id="rId8"/>
+    <p:sldId id="1572" r:id="rId6"/>
+    <p:sldId id="1573" r:id="rId7"/>
+    <p:sldId id="1574" r:id="rId8"/>
     <p:sldId id="265" r:id="rId9"/>
     <p:sldId id="283" r:id="rId10"/>
     <p:sldId id="279" r:id="rId11"/>
@@ -129,16 +129,16 @@
             <p14:sldId id="263"/>
           </p14:sldIdLst>
         </p14:section>
-        <p14:section name="implement custom props" id="{34E8F58C-5812-6545-B617-761359EAAED0}">
+        <p14:section name="body" id="{3D9C80B2-EAAE-E24F-83D7-5970E147313E}">
           <p14:sldIdLst>
             <p14:sldId id="1555"/>
-            <p14:sldId id="1565"/>
-            <p14:sldId id="1566"/>
-            <p14:sldId id="1564"/>
+            <p14:sldId id="1572"/>
+            <p14:sldId id="1573"/>
+            <p14:sldId id="1574"/>
             <p14:sldId id="265"/>
           </p14:sldIdLst>
         </p14:section>
-        <p14:section name="closing" id="{0EC9757E-F94D-C546-A5E4-126C6ED1F0FA}">
+        <p14:section name="outro" id="{E93196B6-EFE2-3242-B776-C77C0FCFFEF1}">
           <p14:sldIdLst>
             <p14:sldId id="283"/>
             <p14:sldId id="279"/>
@@ -224,9 +224,12 @@
             </a:lvl1pPr>
           </a:lstStyle>
           <a:p>
-            <a:endParaRPr lang="en-US" dirty="0">
-              <a:latin typeface="Segoe UI" pitchFamily="34" charset="0"/>
-            </a:endParaRPr>
+            <a:r>
+              <a:rPr lang="en-US" dirty="0">
+                <a:latin typeface="Segoe UI" pitchFamily="34" charset="0"/>
+              </a:rPr>
+              <a:t>SharePoint Framework</a:t>
+            </a:r>
           </a:p>
         </p:txBody>
       </p:sp>
@@ -261,7 +264,7 @@
               <a:rPr lang="en-US" smtClean="0">
                 <a:latin typeface="Segoe UI" pitchFamily="34" charset="0"/>
               </a:rPr>
-              <a:t>12/20/18 12:59 PM</a:t>
+              <a:t>12/20/2018 9:19 PM</a:t>
             </a:fld>
             <a:endParaRPr lang="en-US" dirty="0">
               <a:latin typeface="Segoe UI" pitchFamily="34" charset="0"/>
@@ -421,7 +424,10 @@
             </a:lvl1pPr>
           </a:lstStyle>
           <a:p>
-            <a:endParaRPr lang="en-US" dirty="0"/>
+            <a:r>
+              <a:rPr lang="en-US" dirty="0"/>
+              <a:t>SharePoint Framework</a:t>
+            </a:r>
           </a:p>
         </p:txBody>
       </p:sp>
@@ -555,7 +561,7 @@
           <a:p>
             <a:fld id="{D18B56EA-E28F-4F92-9F16-7A6F2501B303}" type="datetime8">
               <a:rPr lang="en-US" smtClean="0"/>
-              <a:t>12/20/18 12:59 PM</a:t>
+              <a:t>12/20/2018 9:19 PM</a:t>
             </a:fld>
             <a:endParaRPr lang="en-US" dirty="0"/>
           </a:p>
@@ -938,7 +944,7 @@
           <a:p>
             <a:fld id="{D18B56EA-E28F-4F92-9F16-7A6F2501B303}" type="datetime8">
               <a:rPr lang="en-US" smtClean="0"/>
-              <a:t>12/20/18 12:59 PM</a:t>
+              <a:t>12/20/2018 9:19 PM</a:t>
             </a:fld>
             <a:endParaRPr lang="en-US" dirty="0"/>
           </a:p>
@@ -1119,7 +1125,7 @@
           <a:p>
             <a:fld id="{D18B56EA-E28F-4F92-9F16-7A6F2501B303}" type="datetime8">
               <a:rPr lang="en-US" smtClean="0"/>
-              <a:t>12/20/18 12:59 PM</a:t>
+              <a:t>12/20/2018 9:19 PM</a:t>
             </a:fld>
             <a:endParaRPr lang="en-US" dirty="0"/>
           </a:p>
@@ -1462,7 +1468,7 @@
           <a:p>
             <a:fld id="{D18B56EA-E28F-4F92-9F16-7A6F2501B303}" type="datetime8">
               <a:rPr lang="en-US" smtClean="0"/>
-              <a:t>12/20/18 12:59 PM</a:t>
+              <a:t>12/20/2018 9:19 PM</a:t>
             </a:fld>
             <a:endParaRPr lang="en-US" dirty="0"/>
           </a:p>
@@ -1643,7 +1649,7 @@
           <a:p>
             <a:fld id="{D18B56EA-E28F-4F92-9F16-7A6F2501B303}" type="datetime8">
               <a:rPr lang="en-US" smtClean="0"/>
-              <a:t>12/20/18 12:59 PM</a:t>
+              <a:t>12/20/2018 9:19 PM</a:t>
             </a:fld>
             <a:endParaRPr lang="en-US" dirty="0"/>
           </a:p>
@@ -1824,7 +1830,7 @@
           <a:p>
             <a:fld id="{D18B56EA-E28F-4F92-9F16-7A6F2501B303}" type="datetime8">
               <a:rPr lang="en-US" smtClean="0"/>
-              <a:t>12/20/18 12:59 PM</a:t>
+              <a:t>12/20/2018 9:19 PM</a:t>
             </a:fld>
             <a:endParaRPr lang="en-US" dirty="0"/>
           </a:p>
@@ -2005,7 +2011,7 @@
           <a:p>
             <a:fld id="{D18B56EA-E28F-4F92-9F16-7A6F2501B303}" type="datetime8">
               <a:rPr lang="en-US" smtClean="0"/>
-              <a:t>12/20/18 12:59 PM</a:t>
+              <a:t>12/20/2018 9:19 PM</a:t>
             </a:fld>
             <a:endParaRPr lang="en-US" dirty="0"/>
           </a:p>
@@ -6284,7 +6290,7 @@
           <a:lstStyle/>
           <a:p>
             <a:r>
-              <a:rPr lang="en-US"/>
+              <a:rPr lang="en-US" dirty="0"/>
               <a:t>Click icon to add table</a:t>
             </a:r>
           </a:p>
@@ -6705,8 +6711,8 @@
 </file>
 
 <file path=ppt/slideLayouts/slideLayout26.xml><?xml version="1.0" encoding="utf-8"?>
-<p:sldLayout xmlns:a="http://schemas.openxmlformats.org/drawingml/2006/main" xmlns:r="http://schemas.openxmlformats.org/officeDocument/2006/relationships" xmlns:p="http://schemas.openxmlformats.org/presentationml/2006/main" preserve="1" userDrawn="1">
-  <p:cSld name="1_Developer Code Layout">
+<p:sldLayout xmlns:a="http://schemas.openxmlformats.org/drawingml/2006/main" xmlns:r="http://schemas.openxmlformats.org/officeDocument/2006/relationships" xmlns:p="http://schemas.openxmlformats.org/presentationml/2006/main" userDrawn="1">
+  <p:cSld name="Developer Code Layout">
     <p:spTree>
       <p:nvGrpSpPr>
         <p:cNvPr id="1" name=""/>
@@ -7001,7 +7007,7 @@
     </p:spTree>
     <p:extLst>
       <p:ext uri="{BB962C8B-B14F-4D97-AF65-F5344CB8AC3E}">
-        <p14:creationId xmlns:p14="http://schemas.microsoft.com/office/powerpoint/2010/main" val="708849554"/>
+        <p14:creationId xmlns:p14="http://schemas.microsoft.com/office/powerpoint/2010/main" val="2517332202"/>
       </p:ext>
     </p:extLst>
   </p:cSld>
@@ -7015,7 +7021,7 @@
 </file>
 
 <file path=ppt/slideLayouts/slideLayout27.xml><?xml version="1.0" encoding="utf-8"?>
-<p:sldLayout xmlns:a="http://schemas.openxmlformats.org/drawingml/2006/main" xmlns:r="http://schemas.openxmlformats.org/officeDocument/2006/relationships" xmlns:p="http://schemas.openxmlformats.org/presentationml/2006/main" preserve="1" userDrawn="1">
+<p:sldLayout xmlns:a="http://schemas.openxmlformats.org/drawingml/2006/main" xmlns:r="http://schemas.openxmlformats.org/officeDocument/2006/relationships" xmlns:p="http://schemas.openxmlformats.org/presentationml/2006/main" userDrawn="1">
   <p:cSld name="Title &amp; 2-color Non-bulleted text">
     <p:spTree>
       <p:nvGrpSpPr>
@@ -7158,7 +7164,7 @@
     </p:spTree>
     <p:extLst>
       <p:ext uri="{BB962C8B-B14F-4D97-AF65-F5344CB8AC3E}">
-        <p14:creationId xmlns:p14="http://schemas.microsoft.com/office/powerpoint/2010/main" val="2536016046"/>
+        <p14:creationId xmlns:p14="http://schemas.microsoft.com/office/powerpoint/2010/main" val="3845859015"/>
       </p:ext>
     </p:extLst>
   </p:cSld>
@@ -7172,8 +7178,8 @@
 </file>
 
 <file path=ppt/slideLayouts/slideLayout28.xml><?xml version="1.0" encoding="utf-8"?>
-<p:sldLayout xmlns:a="http://schemas.openxmlformats.org/drawingml/2006/main" xmlns:r="http://schemas.openxmlformats.org/officeDocument/2006/relationships" xmlns:p="http://schemas.openxmlformats.org/presentationml/2006/main" preserve="1" userDrawn="1">
-  <p:cSld name="1_Title and Content">
+<p:sldLayout xmlns:a="http://schemas.openxmlformats.org/drawingml/2006/main" xmlns:r="http://schemas.openxmlformats.org/officeDocument/2006/relationships" xmlns:p="http://schemas.openxmlformats.org/presentationml/2006/main" userDrawn="1">
+  <p:cSld name="Title and Content">
     <p:spTree>
       <p:nvGrpSpPr>
         <p:cNvPr id="1" name=""/>
@@ -7307,7 +7313,7 @@
     </p:spTree>
     <p:extLst>
       <p:ext uri="{BB962C8B-B14F-4D97-AF65-F5344CB8AC3E}">
-        <p14:creationId xmlns:p14="http://schemas.microsoft.com/office/powerpoint/2010/main" val="1908806978"/>
+        <p14:creationId xmlns:p14="http://schemas.microsoft.com/office/powerpoint/2010/main" val="2439250095"/>
       </p:ext>
     </p:extLst>
   </p:cSld>
@@ -14216,9 +14222,9 @@
     <p:sldLayoutId id="2147484545" r:id="rId23"/>
     <p:sldLayoutId id="2147484546" r:id="rId24"/>
     <p:sldLayoutId id="2147484299" r:id="rId25"/>
-    <p:sldLayoutId id="2147484560" r:id="rId26"/>
-    <p:sldLayoutId id="2147484561" r:id="rId27"/>
-    <p:sldLayoutId id="2147484562" r:id="rId28"/>
+    <p:sldLayoutId id="2147484552" r:id="rId26"/>
+    <p:sldLayoutId id="2147484556" r:id="rId27"/>
+    <p:sldLayoutId id="2147484559" r:id="rId28"/>
   </p:sldLayoutIdLst>
   <p:transition>
     <p:fade/>
@@ -15417,8 +15423,8 @@
         </p:blipFill>
         <p:spPr>
           <a:xfrm>
-            <a:off x="8986839" y="1167124"/>
-            <a:ext cx="3175000" cy="990600"/>
+            <a:off x="7073198" y="1212850"/>
+            <a:ext cx="3575548" cy="1115571"/>
           </a:xfrm>
           <a:prstGeom prst="rect">
             <a:avLst/>
@@ -17112,7 +17118,7 @@
     </p:spTree>
     <p:extLst>
       <p:ext uri="{BB962C8B-B14F-4D97-AF65-F5344CB8AC3E}">
-        <p14:creationId xmlns:p14="http://schemas.microsoft.com/office/powerpoint/2010/main" val="1745997778"/>
+        <p14:creationId xmlns:p14="http://schemas.microsoft.com/office/powerpoint/2010/main" val="2666118601"/>
       </p:ext>
     </p:extLst>
   </p:cSld>

--- a/03 pnpcontrols.pptx
+++ b/03 pnpcontrols.pptx
@@ -264,7 +264,7 @@
               <a:rPr lang="en-US" smtClean="0">
                 <a:latin typeface="Segoe UI" pitchFamily="34" charset="0"/>
               </a:rPr>
-              <a:t>12/20/2018 9:19 PM</a:t>
+              <a:t>1/7/19 3:47 PM</a:t>
             </a:fld>
             <a:endParaRPr lang="en-US" dirty="0">
               <a:latin typeface="Segoe UI" pitchFamily="34" charset="0"/>
@@ -561,7 +561,7 @@
           <a:p>
             <a:fld id="{D18B56EA-E28F-4F92-9F16-7A6F2501B303}" type="datetime8">
               <a:rPr lang="en-US" smtClean="0"/>
-              <a:t>12/20/2018 9:19 PM</a:t>
+              <a:t>1/7/19 3:47 PM</a:t>
             </a:fld>
             <a:endParaRPr lang="en-US" dirty="0"/>
           </a:p>
@@ -944,7 +944,7 @@
           <a:p>
             <a:fld id="{D18B56EA-E28F-4F92-9F16-7A6F2501B303}" type="datetime8">
               <a:rPr lang="en-US" smtClean="0"/>
-              <a:t>12/20/2018 9:19 PM</a:t>
+              <a:t>1/7/19 3:47 PM</a:t>
             </a:fld>
             <a:endParaRPr lang="en-US" dirty="0"/>
           </a:p>
@@ -1125,7 +1125,7 @@
           <a:p>
             <a:fld id="{D18B56EA-E28F-4F92-9F16-7A6F2501B303}" type="datetime8">
               <a:rPr lang="en-US" smtClean="0"/>
-              <a:t>12/20/2018 9:19 PM</a:t>
+              <a:t>1/7/19 3:47 PM</a:t>
             </a:fld>
             <a:endParaRPr lang="en-US" dirty="0"/>
           </a:p>
@@ -1468,7 +1468,7 @@
           <a:p>
             <a:fld id="{D18B56EA-E28F-4F92-9F16-7A6F2501B303}" type="datetime8">
               <a:rPr lang="en-US" smtClean="0"/>
-              <a:t>12/20/2018 9:19 PM</a:t>
+              <a:t>1/7/19 3:47 PM</a:t>
             </a:fld>
             <a:endParaRPr lang="en-US" dirty="0"/>
           </a:p>
@@ -1649,7 +1649,7 @@
           <a:p>
             <a:fld id="{D18B56EA-E28F-4F92-9F16-7A6F2501B303}" type="datetime8">
               <a:rPr lang="en-US" smtClean="0"/>
-              <a:t>12/20/2018 9:19 PM</a:t>
+              <a:t>1/7/19 3:47 PM</a:t>
             </a:fld>
             <a:endParaRPr lang="en-US" dirty="0"/>
           </a:p>
@@ -1830,7 +1830,7 @@
           <a:p>
             <a:fld id="{D18B56EA-E28F-4F92-9F16-7A6F2501B303}" type="datetime8">
               <a:rPr lang="en-US" smtClean="0"/>
-              <a:t>12/20/2018 9:19 PM</a:t>
+              <a:t>1/7/19 3:47 PM</a:t>
             </a:fld>
             <a:endParaRPr lang="en-US" dirty="0"/>
           </a:p>
@@ -2011,7 +2011,7 @@
           <a:p>
             <a:fld id="{D18B56EA-E28F-4F92-9F16-7A6F2501B303}" type="datetime8">
               <a:rPr lang="en-US" smtClean="0"/>
-              <a:t>12/20/2018 9:19 PM</a:t>
+              <a:t>1/7/19 3:47 PM</a:t>
             </a:fld>
             <a:endParaRPr lang="en-US" dirty="0"/>
           </a:p>
@@ -15384,7 +15384,12 @@
             <p:ph type="title"/>
           </p:nvPr>
         </p:nvSpPr>
-        <p:spPr/>
+        <p:spPr>
+          <a:xfrm>
+            <a:off x="464400" y="633600"/>
+            <a:ext cx="11574000" cy="387798"/>
+          </a:xfrm>
+        </p:spPr>
         <p:txBody>
           <a:bodyPr/>
           <a:lstStyle/>
@@ -15395,7 +15400,7 @@
             </a:r>
             <a:r>
               <a:rPr lang="en-US" dirty="0" err="1"/>
-              <a:t>SFPx</a:t>
+              <a:t>SPFx</a:t>
             </a:r>
             <a:endParaRPr lang="en-US" dirty="0"/>
           </a:p>

--- a/03 pnpcontrols.pptx
+++ b/03 pnpcontrols.pptx
@@ -264,7 +264,7 @@
               <a:rPr lang="en-US" smtClean="0">
                 <a:latin typeface="Segoe UI" pitchFamily="34" charset="0"/>
               </a:rPr>
-              <a:t>1/7/19 3:47 PM</a:t>
+              <a:t>3/2/2019 4:57 PM</a:t>
             </a:fld>
             <a:endParaRPr lang="en-US" dirty="0">
               <a:latin typeface="Segoe UI" pitchFamily="34" charset="0"/>
@@ -561,7 +561,7 @@
           <a:p>
             <a:fld id="{D18B56EA-E28F-4F92-9F16-7A6F2501B303}" type="datetime8">
               <a:rPr lang="en-US" smtClean="0"/>
-              <a:t>1/7/19 3:47 PM</a:t>
+              <a:t>3/2/2019 4:57 PM</a:t>
             </a:fld>
             <a:endParaRPr lang="en-US" dirty="0"/>
           </a:p>
@@ -944,7 +944,7 @@
           <a:p>
             <a:fld id="{D18B56EA-E28F-4F92-9F16-7A6F2501B303}" type="datetime8">
               <a:rPr lang="en-US" smtClean="0"/>
-              <a:t>1/7/19 3:47 PM</a:t>
+              <a:t>3/2/2019 4:57 PM</a:t>
             </a:fld>
             <a:endParaRPr lang="en-US" dirty="0"/>
           </a:p>
@@ -1125,7 +1125,7 @@
           <a:p>
             <a:fld id="{D18B56EA-E28F-4F92-9F16-7A6F2501B303}" type="datetime8">
               <a:rPr lang="en-US" smtClean="0"/>
-              <a:t>1/7/19 3:47 PM</a:t>
+              <a:t>3/2/2019 4:57 PM</a:t>
             </a:fld>
             <a:endParaRPr lang="en-US" dirty="0"/>
           </a:p>
@@ -1468,7 +1468,7 @@
           <a:p>
             <a:fld id="{D18B56EA-E28F-4F92-9F16-7A6F2501B303}" type="datetime8">
               <a:rPr lang="en-US" smtClean="0"/>
-              <a:t>1/7/19 3:47 PM</a:t>
+              <a:t>3/2/2019 4:57 PM</a:t>
             </a:fld>
             <a:endParaRPr lang="en-US" dirty="0"/>
           </a:p>
@@ -1649,7 +1649,7 @@
           <a:p>
             <a:fld id="{D18B56EA-E28F-4F92-9F16-7A6F2501B303}" type="datetime8">
               <a:rPr lang="en-US" smtClean="0"/>
-              <a:t>1/7/19 3:47 PM</a:t>
+              <a:t>3/2/2019 4:57 PM</a:t>
             </a:fld>
             <a:endParaRPr lang="en-US" dirty="0"/>
           </a:p>
@@ -1830,7 +1830,7 @@
           <a:p>
             <a:fld id="{D18B56EA-E28F-4F92-9F16-7A6F2501B303}" type="datetime8">
               <a:rPr lang="en-US" smtClean="0"/>
-              <a:t>1/7/19 3:47 PM</a:t>
+              <a:t>3/2/2019 4:57 PM</a:t>
             </a:fld>
             <a:endParaRPr lang="en-US" dirty="0"/>
           </a:p>
@@ -2011,7 +2011,7 @@
           <a:p>
             <a:fld id="{D18B56EA-E28F-4F92-9F16-7A6F2501B303}" type="datetime8">
               <a:rPr lang="en-US" smtClean="0"/>
-              <a:t>1/7/19 3:47 PM</a:t>
+              <a:t>3/2/2019 4:57 PM</a:t>
             </a:fld>
             <a:endParaRPr lang="en-US" dirty="0"/>
           </a:p>
@@ -16970,7 +16970,7 @@
               <a:rPr lang="en-US" sz="1800" dirty="0">
                 <a:latin typeface="+mj-lt"/>
               </a:rPr>
-              <a:t>SharePoint Framework</a:t>
+              <a:t>Overview of the SharePoint Framework</a:t>
             </a:r>
           </a:p>
           <a:p>
@@ -16989,7 +16989,7 @@
                 <a:latin typeface="+mj-lt"/>
                 <a:hlinkClick r:id="rId3"/>
               </a:rPr>
-              <a:t>https://docs.microsoft.com/sharepoint/dev/spfx</a:t>
+              <a:t>https://docs.microsoft.com/sharepoint/dev/spfx/sharepoint-framework-overview</a:t>
             </a:r>
             <a:endParaRPr lang="en-US" sz="1800" dirty="0">
               <a:latin typeface="+mj-lt"/>

--- a/03 pnpcontrols.pptx
+++ b/03 pnpcontrols.pptx
@@ -264,7 +264,7 @@
               <a:rPr lang="en-US" smtClean="0">
                 <a:latin typeface="Segoe UI" pitchFamily="34" charset="0"/>
               </a:rPr>
-              <a:t>3/2/2019 4:57 PM</a:t>
+              <a:t>2/27/20 3:57 PM</a:t>
             </a:fld>
             <a:endParaRPr lang="en-US" dirty="0">
               <a:latin typeface="Segoe UI" pitchFamily="34" charset="0"/>
@@ -561,7 +561,7 @@
           <a:p>
             <a:fld id="{D18B56EA-E28F-4F92-9F16-7A6F2501B303}" type="datetime8">
               <a:rPr lang="en-US" smtClean="0"/>
-              <a:t>3/2/2019 4:57 PM</a:t>
+              <a:t>2/27/20 3:57 PM</a:t>
             </a:fld>
             <a:endParaRPr lang="en-US" dirty="0"/>
           </a:p>
@@ -944,7 +944,7 @@
           <a:p>
             <a:fld id="{D18B56EA-E28F-4F92-9F16-7A6F2501B303}" type="datetime8">
               <a:rPr lang="en-US" smtClean="0"/>
-              <a:t>3/2/2019 4:57 PM</a:t>
+              <a:t>2/27/20 3:57 PM</a:t>
             </a:fld>
             <a:endParaRPr lang="en-US" dirty="0"/>
           </a:p>
@@ -978,6 +978,187 @@
     <p:extLst>
       <p:ext uri="{BB962C8B-B14F-4D97-AF65-F5344CB8AC3E}">
         <p14:creationId xmlns:p14="http://schemas.microsoft.com/office/powerpoint/2010/main" val="909857904"/>
+      </p:ext>
+    </p:extLst>
+  </p:cSld>
+  <p:clrMapOvr>
+    <a:masterClrMapping/>
+  </p:clrMapOvr>
+</p:notes>
+</file>
+
+<file path=ppt/notesSlides/notesSlide10.xml><?xml version="1.0" encoding="utf-8"?>
+<p:notes xmlns:a="http://schemas.openxmlformats.org/drawingml/2006/main" xmlns:r="http://schemas.openxmlformats.org/officeDocument/2006/relationships" xmlns:p="http://schemas.openxmlformats.org/presentationml/2006/main">
+  <p:cSld>
+    <p:spTree>
+      <p:nvGrpSpPr>
+        <p:cNvPr id="1" name=""/>
+        <p:cNvGrpSpPr/>
+        <p:nvPr/>
+      </p:nvGrpSpPr>
+      <p:grpSpPr>
+        <a:xfrm>
+          <a:off x="0" y="0"/>
+          <a:ext cx="0" cy="0"/>
+          <a:chOff x="0" y="0"/>
+          <a:chExt cx="0" cy="0"/>
+        </a:xfrm>
+      </p:grpSpPr>
+      <p:sp>
+        <p:nvSpPr>
+          <p:cNvPr id="2" name="Slide Image Placeholder 1"/>
+          <p:cNvSpPr>
+            <a:spLocks noGrp="1" noRot="1" noChangeAspect="1"/>
+          </p:cNvSpPr>
+          <p:nvPr>
+            <p:ph type="sldImg"/>
+          </p:nvPr>
+        </p:nvSpPr>
+        <p:spPr/>
+      </p:sp>
+      <p:sp>
+        <p:nvSpPr>
+          <p:cNvPr id="3" name="Notes Placeholder 2"/>
+          <p:cNvSpPr>
+            <a:spLocks noGrp="1"/>
+          </p:cNvSpPr>
+          <p:nvPr>
+            <p:ph type="body" idx="1"/>
+          </p:nvPr>
+        </p:nvSpPr>
+        <p:spPr/>
+        <p:txBody>
+          <a:bodyPr/>
+          <a:lstStyle/>
+          <a:p>
+            <a:endParaRPr lang="en-US"/>
+          </a:p>
+        </p:txBody>
+      </p:sp>
+      <p:sp>
+        <p:nvSpPr>
+          <p:cNvPr id="4" name="Header Placeholder 3"/>
+          <p:cNvSpPr>
+            <a:spLocks noGrp="1"/>
+          </p:cNvSpPr>
+          <p:nvPr>
+            <p:ph type="hdr" sz="quarter" idx="10"/>
+          </p:nvPr>
+        </p:nvSpPr>
+        <p:spPr/>
+        <p:txBody>
+          <a:bodyPr/>
+          <a:lstStyle/>
+          <a:p>
+            <a:endParaRPr lang="en-US" dirty="0"/>
+          </a:p>
+        </p:txBody>
+      </p:sp>
+      <p:sp>
+        <p:nvSpPr>
+          <p:cNvPr id="5" name="Footer Placeholder 4"/>
+          <p:cNvSpPr>
+            <a:spLocks noGrp="1"/>
+          </p:cNvSpPr>
+          <p:nvPr>
+            <p:ph type="ftr" sz="quarter" idx="11"/>
+          </p:nvPr>
+        </p:nvSpPr>
+        <p:spPr/>
+        <p:txBody>
+          <a:bodyPr/>
+          <a:lstStyle/>
+          <a:p>
+            <a:pPr defTabSz="914099" eaLnBrk="0" hangingPunct="0"/>
+            <a:r>
+              <a:rPr lang="en-US" sz="400">
+                <a:gradFill>
+                  <a:gsLst>
+                    <a:gs pos="0">
+                      <a:prstClr val="black"/>
+                    </a:gs>
+                    <a:gs pos="100000">
+                      <a:prstClr val="black"/>
+                    </a:gs>
+                  </a:gsLst>
+                  <a:lin ang="5400000" scaled="0"/>
+                </a:gradFill>
+                <a:latin typeface="Segoe UI" pitchFamily="34" charset="0"/>
+                <a:ea typeface="Segoe UI" pitchFamily="34" charset="0"/>
+                <a:cs typeface="Segoe UI" pitchFamily="34" charset="0"/>
+              </a:rPr>
+              <a:t>© Microsoft Corporation. All rights reserved. MICROSOFT MAKES NO WARRANTIES, EXPRESS, IMPLIED OR STATUTORY, AS TO THE INFORMATION IN THIS PRESENTATION.</a:t>
+            </a:r>
+            <a:endParaRPr lang="en-US" sz="400" dirty="0">
+              <a:gradFill>
+                <a:gsLst>
+                  <a:gs pos="0">
+                    <a:prstClr val="black"/>
+                  </a:gs>
+                  <a:gs pos="100000">
+                    <a:prstClr val="black"/>
+                  </a:gs>
+                </a:gsLst>
+                <a:lin ang="5400000" scaled="0"/>
+              </a:gradFill>
+              <a:latin typeface="Segoe UI" pitchFamily="34" charset="0"/>
+              <a:ea typeface="Segoe UI" pitchFamily="34" charset="0"/>
+              <a:cs typeface="Segoe UI" pitchFamily="34" charset="0"/>
+            </a:endParaRPr>
+          </a:p>
+        </p:txBody>
+      </p:sp>
+      <p:sp>
+        <p:nvSpPr>
+          <p:cNvPr id="6" name="Date Placeholder 5"/>
+          <p:cNvSpPr>
+            <a:spLocks noGrp="1"/>
+          </p:cNvSpPr>
+          <p:nvPr>
+            <p:ph type="dt" idx="12"/>
+          </p:nvPr>
+        </p:nvSpPr>
+        <p:spPr/>
+        <p:txBody>
+          <a:bodyPr/>
+          <a:lstStyle/>
+          <a:p>
+            <a:fld id="{D18B56EA-E28F-4F92-9F16-7A6F2501B303}" type="datetime8">
+              <a:rPr lang="en-US" smtClean="0"/>
+              <a:t>2/27/20 3:57 PM</a:t>
+            </a:fld>
+            <a:endParaRPr lang="en-US" dirty="0"/>
+          </a:p>
+        </p:txBody>
+      </p:sp>
+      <p:sp>
+        <p:nvSpPr>
+          <p:cNvPr id="7" name="Slide Number Placeholder 6"/>
+          <p:cNvSpPr>
+            <a:spLocks noGrp="1"/>
+          </p:cNvSpPr>
+          <p:nvPr>
+            <p:ph type="sldNum" sz="quarter" idx="13"/>
+          </p:nvPr>
+        </p:nvSpPr>
+        <p:spPr/>
+        <p:txBody>
+          <a:bodyPr/>
+          <a:lstStyle/>
+          <a:p>
+            <a:fld id="{B4008EB6-D09E-4580-8CD6-DDB14511944F}" type="slidenum">
+              <a:rPr lang="en-US" smtClean="0"/>
+              <a:pPr/>
+              <a:t>11</a:t>
+            </a:fld>
+            <a:endParaRPr lang="en-US" dirty="0"/>
+          </a:p>
+        </p:txBody>
+      </p:sp>
+    </p:spTree>
+    <p:extLst>
+      <p:ext uri="{BB962C8B-B14F-4D97-AF65-F5344CB8AC3E}">
+        <p14:creationId xmlns:p14="http://schemas.microsoft.com/office/powerpoint/2010/main" val="1685519606"/>
       </p:ext>
     </p:extLst>
   </p:cSld>
@@ -1031,7 +1212,62 @@
           <a:bodyPr/>
           <a:lstStyle/>
           <a:p>
-            <a:endParaRPr lang="en-US"/>
+            <a:pPr marL="0" marR="0" lvl="0" indent="0" algn="l" defTabSz="932742" rtl="0" eaLnBrk="1" fontAlgn="auto" latinLnBrk="0" hangingPunct="1">
+              <a:lnSpc>
+                <a:spcPct val="90000"/>
+              </a:lnSpc>
+              <a:spcBef>
+                <a:spcPts val="0"/>
+              </a:spcBef>
+              <a:spcAft>
+                <a:spcPts val="340"/>
+              </a:spcAft>
+              <a:buClrTx/>
+              <a:buSzTx/>
+              <a:buFontTx/>
+              <a:buNone/>
+              <a:tabLst/>
+              <a:defRPr/>
+            </a:pPr>
+            <a:r>
+              <a:rPr lang="en-US" sz="900" b="0" kern="1200" dirty="0">
+                <a:solidFill>
+                  <a:schemeClr val="tx1"/>
+                </a:solidFill>
+                <a:effectLst/>
+                <a:latin typeface="Segoe UI Light" pitchFamily="34" charset="0"/>
+                <a:ea typeface="+mn-ea"/>
+                <a:cs typeface="+mn-cs"/>
+              </a:rPr>
+              <a:t>In this unit, you'll learn how you can use third-party controls from the popular PnP </a:t>
+            </a:r>
+            <a:r>
+              <a:rPr lang="en-US" sz="900" b="0" kern="1200" dirty="0" err="1">
+                <a:solidFill>
+                  <a:schemeClr val="tx1"/>
+                </a:solidFill>
+                <a:effectLst/>
+                <a:latin typeface="Segoe UI Light" pitchFamily="34" charset="0"/>
+                <a:ea typeface="+mn-ea"/>
+                <a:cs typeface="+mn-cs"/>
+              </a:rPr>
+              <a:t>SPFx</a:t>
+            </a:r>
+            <a:r>
+              <a:rPr lang="en-US" sz="900" b="0" kern="1200" dirty="0">
+                <a:solidFill>
+                  <a:schemeClr val="tx1"/>
+                </a:solidFill>
+                <a:effectLst/>
+                <a:latin typeface="Segoe UI Light" pitchFamily="34" charset="0"/>
+                <a:ea typeface="+mn-ea"/>
+                <a:cs typeface="+mn-cs"/>
+              </a:rPr>
+              <a:t> reusable property pane controls project.</a:t>
+            </a:r>
+          </a:p>
+          <a:p>
+            <a:endParaRPr lang="en-US" dirty="0"/>
           </a:p>
         </p:txBody>
       </p:sp>
@@ -1125,7 +1361,7 @@
           <a:p>
             <a:fld id="{D18B56EA-E28F-4F92-9F16-7A6F2501B303}" type="datetime8">
               <a:rPr lang="en-US" smtClean="0"/>
-              <a:t>3/2/2019 4:57 PM</a:t>
+              <a:t>2/27/20 4:15 PM</a:t>
             </a:fld>
             <a:endParaRPr lang="en-US" dirty="0"/>
           </a:p>
@@ -1212,7 +1448,40 @@
           <a:bodyPr/>
           <a:lstStyle/>
           <a:p>
-            <a:endParaRPr lang="en-US"/>
+            <a:r>
+              <a:rPr lang="en-US" dirty="0"/>
+              <a:t>The property pane field controls included in the SharePoint Framework API are basic input controls. They enable developers to provide users an experience to edit public properties on the web part. These basic controls don't contain any special logic or detail about the current SharePoint site.</a:t>
+            </a:r>
+          </a:p>
+          <a:p>
+            <a:endParaRPr lang="en-US" dirty="0"/>
+          </a:p>
+          <a:p>
+            <a:r>
+              <a:rPr lang="en-US" dirty="0"/>
+              <a:t>For example, if you wanted to provide an experience for your users to select an existing SharePoint list from the current site from a list in the property pane, you'll have to write the code to retrieve all the SharePoint lists and display them in the property pane.</a:t>
+            </a:r>
+          </a:p>
+          <a:p>
+            <a:endParaRPr lang="en-US" dirty="0"/>
+          </a:p>
+          <a:p>
+            <a:r>
+              <a:rPr lang="en-US" dirty="0"/>
+              <a:t>This common requirement could be simplified in that a developer could create a custom property pane field control that when added to the property pane, contained the logic to retrieve all lists from the current SharePoint site and display them in a dropdown control. You could also include settings on the control to include or exclude hidden lists, exclude SharePoint infrastructure lists such as the Master Page Gallery or Client Side Assets library, or other settings.</a:t>
+            </a:r>
+          </a:p>
+          <a:p>
+            <a:endParaRPr lang="en-US" dirty="0"/>
+          </a:p>
+          <a:p>
+            <a:r>
+              <a:rPr lang="en-US" dirty="0"/>
+              <a:t>These *smart controls* can then be used across multiple SharePoint Framework client-side web part projects, simplifying the code in those projects because they don't have to populate the property pane with a list of all SharePoint lists int he site.</a:t>
+            </a:r>
+          </a:p>
+          <a:p>
+            <a:endParaRPr lang="en-US" dirty="0"/>
           </a:p>
         </p:txBody>
       </p:sp>
@@ -1374,7 +1643,46 @@
           <a:bodyPr/>
           <a:lstStyle/>
           <a:p>
-            <a:endParaRPr lang="en-US"/>
+            <a:r>
+              <a:rPr lang="en-US" dirty="0"/>
+              <a:t>The SharePoint Patterns and Practices (PnP) group provides an open source library containing reusable controls for use in the SharePoint Framework client-side web part property pane. These controls include this reusable logic that is tied to the current SharePoint site.</a:t>
+            </a:r>
+          </a:p>
+          <a:p>
+            <a:endParaRPr lang="en-US" dirty="0"/>
+          </a:p>
+          <a:p>
+            <a:r>
+              <a:rPr lang="en-US" dirty="0"/>
+              <a:t>You can learn more about these controls at **https://</a:t>
+            </a:r>
+            <a:r>
+              <a:rPr lang="en-US" dirty="0" err="1"/>
+              <a:t>sharepoint.github.io</a:t>
+            </a:r>
+            <a:r>
+              <a:rPr lang="en-US" dirty="0"/>
+              <a:t>/</a:t>
+            </a:r>
+            <a:r>
+              <a:rPr lang="en-US" dirty="0" err="1"/>
+              <a:t>sp</a:t>
+            </a:r>
+            <a:r>
+              <a:rPr lang="en-US" dirty="0"/>
+              <a:t>-dev-</a:t>
+            </a:r>
+            <a:r>
+              <a:rPr lang="en-US" dirty="0" err="1"/>
+              <a:t>fx</a:t>
+            </a:r>
+            <a:r>
+              <a:rPr lang="en-US" dirty="0"/>
+              <a:t>-property-controls**.</a:t>
+            </a:r>
+          </a:p>
+          <a:p>
+            <a:endParaRPr lang="en-US" dirty="0"/>
           </a:p>
         </p:txBody>
       </p:sp>
@@ -1385,7 +1693,7 @@
             <a:spLocks noGrp="1"/>
           </p:cNvSpPr>
           <p:nvPr>
-            <p:ph type="hdr" sz="quarter" idx="10"/>
+            <p:ph type="hdr" sz="quarter"/>
           </p:nvPr>
         </p:nvSpPr>
         <p:spPr/>
@@ -1393,6 +1701,10 @@
           <a:bodyPr/>
           <a:lstStyle/>
           <a:p>
+            <a:r>
+              <a:rPr lang="en-US"/>
+              <a:t>SharePoint Framework</a:t>
+            </a:r>
             <a:endParaRPr lang="en-US" dirty="0"/>
           </a:p>
         </p:txBody>
@@ -1404,7 +1716,7 @@
             <a:spLocks noGrp="1"/>
           </p:cNvSpPr>
           <p:nvPr>
-            <p:ph type="ftr" sz="quarter" idx="11"/>
+            <p:ph type="ftr" sz="quarter" idx="4"/>
           </p:nvPr>
         </p:nvSpPr>
         <p:spPr/>
@@ -1458,7 +1770,7 @@
             <a:spLocks noGrp="1"/>
           </p:cNvSpPr>
           <p:nvPr>
-            <p:ph type="dt" idx="12"/>
+            <p:ph type="dt" idx="1"/>
           </p:nvPr>
         </p:nvSpPr>
         <p:spPr/>
@@ -1468,7 +1780,7 @@
           <a:p>
             <a:fld id="{D18B56EA-E28F-4F92-9F16-7A6F2501B303}" type="datetime8">
               <a:rPr lang="en-US" smtClean="0"/>
-              <a:t>3/2/2019 4:57 PM</a:t>
+              <a:t>2/28/20 5:42 AM</a:t>
             </a:fld>
             <a:endParaRPr lang="en-US" dirty="0"/>
           </a:p>
@@ -1481,7 +1793,7 @@
             <a:spLocks noGrp="1"/>
           </p:cNvSpPr>
           <p:nvPr>
-            <p:ph type="sldNum" sz="quarter" idx="13"/>
+            <p:ph type="sldNum" sz="quarter" idx="5"/>
           </p:nvPr>
         </p:nvSpPr>
         <p:spPr/>
@@ -1492,7 +1804,7 @@
             <a:fld id="{B4008EB6-D09E-4580-8CD6-DDB14511944F}" type="slidenum">
               <a:rPr lang="en-US" smtClean="0"/>
               <a:pPr/>
-              <a:t>7</a:t>
+              <a:t>4</a:t>
             </a:fld>
             <a:endParaRPr lang="en-US" dirty="0"/>
           </a:p>
@@ -1501,7 +1813,7 @@
     </p:spTree>
     <p:extLst>
       <p:ext uri="{BB962C8B-B14F-4D97-AF65-F5344CB8AC3E}">
-        <p14:creationId xmlns:p14="http://schemas.microsoft.com/office/powerpoint/2010/main" val="4271143038"/>
+        <p14:creationId xmlns:p14="http://schemas.microsoft.com/office/powerpoint/2010/main" val="2792833045"/>
       </p:ext>
     </p:extLst>
   </p:cSld>
@@ -1555,6 +1867,71 @@
           <a:bodyPr/>
           <a:lstStyle/>
           <a:p>
+            <a:r>
+              <a:rPr lang="en-US" dirty="0"/>
+              <a:t>This library contains multiple controls that you can use in your projects. Some of the controls include:</a:t>
+            </a:r>
+          </a:p>
+          <a:p>
+            <a:endParaRPr lang="en-US" dirty="0"/>
+          </a:p>
+          <a:p>
+            <a:r>
+              <a:rPr lang="en-US" dirty="0"/>
+              <a:t>- **</a:t>
+            </a:r>
+            <a:r>
+              <a:rPr lang="en-US" dirty="0" err="1"/>
+              <a:t>PropertyFieldColorPicker</a:t>
+            </a:r>
+            <a:r>
+              <a:rPr lang="en-US" dirty="0"/>
+              <a:t>**: Select a color from a swatch or using the RGB values.</a:t>
+            </a:r>
+          </a:p>
+          <a:p>
+            <a:r>
+              <a:rPr lang="en-US" dirty="0"/>
+              <a:t>- **</a:t>
+            </a:r>
+            <a:r>
+              <a:rPr lang="en-US" dirty="0" err="1"/>
+              <a:t>PropertyFieldDateTimePicker</a:t>
+            </a:r>
+            <a:r>
+              <a:rPr lang="en-US" dirty="0"/>
+              <a:t>**: Select a date and time from a friendly picker control.</a:t>
+            </a:r>
+          </a:p>
+          <a:p>
+            <a:r>
+              <a:rPr lang="en-US" dirty="0"/>
+              <a:t>- **</a:t>
+            </a:r>
+            <a:r>
+              <a:rPr lang="en-US" dirty="0" err="1"/>
+              <a:t>PropertyFieldListPicker</a:t>
+            </a:r>
+            <a:r>
+              <a:rPr lang="en-US" dirty="0"/>
+              <a:t>**: Select a SharePoint list or lists from the current site.</a:t>
+            </a:r>
+          </a:p>
+          <a:p>
+            <a:r>
+              <a:rPr lang="en-US" dirty="0"/>
+              <a:t>- **</a:t>
+            </a:r>
+            <a:r>
+              <a:rPr lang="en-US" dirty="0" err="1"/>
+              <a:t>PropertyFieldPeoplePicker</a:t>
+            </a:r>
+            <a:r>
+              <a:rPr lang="en-US" dirty="0"/>
+              <a:t>**: Select people or groups from the current site's directory.</a:t>
+            </a:r>
+          </a:p>
+          <a:p>
             <a:endParaRPr lang="en-US" dirty="0"/>
           </a:p>
         </p:txBody>
@@ -1566,7 +1943,7 @@
             <a:spLocks noGrp="1"/>
           </p:cNvSpPr>
           <p:nvPr>
-            <p:ph type="hdr" sz="quarter" idx="10"/>
+            <p:ph type="hdr" sz="quarter"/>
           </p:nvPr>
         </p:nvSpPr>
         <p:spPr/>
@@ -1574,6 +1951,10 @@
           <a:bodyPr/>
           <a:lstStyle/>
           <a:p>
+            <a:r>
+              <a:rPr lang="en-US"/>
+              <a:t>SharePoint Framework</a:t>
+            </a:r>
             <a:endParaRPr lang="en-US" dirty="0"/>
           </a:p>
         </p:txBody>
@@ -1585,7 +1966,7 @@
             <a:spLocks noGrp="1"/>
           </p:cNvSpPr>
           <p:nvPr>
-            <p:ph type="ftr" sz="quarter" idx="11"/>
+            <p:ph type="ftr" sz="quarter" idx="4"/>
           </p:nvPr>
         </p:nvSpPr>
         <p:spPr/>
@@ -1639,7 +2020,7 @@
             <a:spLocks noGrp="1"/>
           </p:cNvSpPr>
           <p:nvPr>
-            <p:ph type="dt" idx="12"/>
+            <p:ph type="dt" idx="1"/>
           </p:nvPr>
         </p:nvSpPr>
         <p:spPr/>
@@ -1649,7 +2030,7 @@
           <a:p>
             <a:fld id="{D18B56EA-E28F-4F92-9F16-7A6F2501B303}" type="datetime8">
               <a:rPr lang="en-US" smtClean="0"/>
-              <a:t>3/2/2019 4:57 PM</a:t>
+              <a:t>2/28/20 5:47 AM</a:t>
             </a:fld>
             <a:endParaRPr lang="en-US" dirty="0"/>
           </a:p>
@@ -1662,7 +2043,7 @@
             <a:spLocks noGrp="1"/>
           </p:cNvSpPr>
           <p:nvPr>
-            <p:ph type="sldNum" sz="quarter" idx="13"/>
+            <p:ph type="sldNum" sz="quarter" idx="5"/>
           </p:nvPr>
         </p:nvSpPr>
         <p:spPr/>
@@ -1673,7 +2054,7 @@
             <a:fld id="{B4008EB6-D09E-4580-8CD6-DDB14511944F}" type="slidenum">
               <a:rPr lang="en-US" smtClean="0"/>
               <a:pPr/>
-              <a:t>9</a:t>
+              <a:t>5</a:t>
             </a:fld>
             <a:endParaRPr lang="en-US" dirty="0"/>
           </a:p>
@@ -1682,7 +2063,7 @@
     </p:spTree>
     <p:extLst>
       <p:ext uri="{BB962C8B-B14F-4D97-AF65-F5344CB8AC3E}">
-        <p14:creationId xmlns:p14="http://schemas.microsoft.com/office/powerpoint/2010/main" val="3282806226"/>
+        <p14:creationId xmlns:p14="http://schemas.microsoft.com/office/powerpoint/2010/main" val="2795256083"/>
       </p:ext>
     </p:extLst>
   </p:cSld>
@@ -1736,7 +2117,62 @@
           <a:bodyPr/>
           <a:lstStyle/>
           <a:p>
-            <a:endParaRPr lang="en-US"/>
+            <a:r>
+              <a:rPr lang="en-US" dirty="0"/>
+              <a:t>To use the PnP reusable property pane controls in your project, you start by first installing the NPM package that contains the controls:</a:t>
+            </a:r>
+          </a:p>
+          <a:p>
+            <a:endParaRPr lang="en-US" dirty="0"/>
+          </a:p>
+          <a:p>
+            <a:r>
+              <a:rPr lang="en-US" dirty="0"/>
+              <a:t>Next, import only the controls into the web part file that you want to use.</a:t>
+            </a:r>
+          </a:p>
+          <a:p>
+            <a:endParaRPr lang="en-US" dirty="0"/>
+          </a:p>
+          <a:p>
+            <a:r>
+              <a:rPr lang="en-US" dirty="0"/>
+              <a:t>&gt; [!TIP]</a:t>
+            </a:r>
+          </a:p>
+          <a:p>
+            <a:r>
+              <a:rPr lang="en-US" dirty="0"/>
+              <a:t>&gt; Ensure you only import the controls you want to use. When you import only specific objects, the bundling process will only include those objects and their dependencies in the resulting bundle. Otherwise, the entire library, including the controls you aren't using in your project, will be included in the bundle.</a:t>
+            </a:r>
+          </a:p>
+          <a:p>
+            <a:endParaRPr lang="en-US" dirty="0"/>
+          </a:p>
+          <a:p>
+            <a:r>
+              <a:rPr lang="en-US" dirty="0"/>
+              <a:t>Finally, add the control to the list of `</a:t>
+            </a:r>
+            <a:r>
+              <a:rPr lang="en-US" dirty="0" err="1"/>
+              <a:t>groupFields</a:t>
+            </a:r>
+            <a:r>
+              <a:rPr lang="en-US" dirty="0"/>
+              <a:t>` in the `</a:t>
+            </a:r>
+            <a:r>
+              <a:rPr lang="en-US" dirty="0" err="1"/>
+              <a:t>getPropertyPaneConfiguration</a:t>
+            </a:r>
+            <a:r>
+              <a:rPr lang="en-US" dirty="0"/>
+              <a:t>()` method:</a:t>
+            </a:r>
+          </a:p>
+          <a:p>
+            <a:endParaRPr lang="en-US" dirty="0"/>
           </a:p>
         </p:txBody>
       </p:sp>
@@ -1747,7 +2183,7 @@
             <a:spLocks noGrp="1"/>
           </p:cNvSpPr>
           <p:nvPr>
-            <p:ph type="hdr" sz="quarter" idx="10"/>
+            <p:ph type="hdr" sz="quarter"/>
           </p:nvPr>
         </p:nvSpPr>
         <p:spPr/>
@@ -1755,6 +2191,10 @@
           <a:bodyPr/>
           <a:lstStyle/>
           <a:p>
+            <a:r>
+              <a:rPr lang="en-US"/>
+              <a:t>SharePoint Framework</a:t>
+            </a:r>
             <a:endParaRPr lang="en-US" dirty="0"/>
           </a:p>
         </p:txBody>
@@ -1766,7 +2206,7 @@
             <a:spLocks noGrp="1"/>
           </p:cNvSpPr>
           <p:nvPr>
-            <p:ph type="ftr" sz="quarter" idx="11"/>
+            <p:ph type="ftr" sz="quarter" idx="4"/>
           </p:nvPr>
         </p:nvSpPr>
         <p:spPr/>
@@ -1820,7 +2260,7 @@
             <a:spLocks noGrp="1"/>
           </p:cNvSpPr>
           <p:nvPr>
-            <p:ph type="dt" idx="12"/>
+            <p:ph type="dt" idx="1"/>
           </p:nvPr>
         </p:nvSpPr>
         <p:spPr/>
@@ -1830,7 +2270,7 @@
           <a:p>
             <a:fld id="{D18B56EA-E28F-4F92-9F16-7A6F2501B303}" type="datetime8">
               <a:rPr lang="en-US" smtClean="0"/>
-              <a:t>3/2/2019 4:57 PM</a:t>
+              <a:t>2/28/20 6:04 AM</a:t>
             </a:fld>
             <a:endParaRPr lang="en-US" dirty="0"/>
           </a:p>
@@ -1843,7 +2283,7 @@
             <a:spLocks noGrp="1"/>
           </p:cNvSpPr>
           <p:nvPr>
-            <p:ph type="sldNum" sz="quarter" idx="13"/>
+            <p:ph type="sldNum" sz="quarter" idx="5"/>
           </p:nvPr>
         </p:nvSpPr>
         <p:spPr/>
@@ -1854,7 +2294,7 @@
             <a:fld id="{B4008EB6-D09E-4580-8CD6-DDB14511944F}" type="slidenum">
               <a:rPr lang="en-US" smtClean="0"/>
               <a:pPr/>
-              <a:t>10</a:t>
+              <a:t>6</a:t>
             </a:fld>
             <a:endParaRPr lang="en-US" dirty="0"/>
           </a:p>
@@ -1863,7 +2303,7 @@
     </p:spTree>
     <p:extLst>
       <p:ext uri="{BB962C8B-B14F-4D97-AF65-F5344CB8AC3E}">
-        <p14:creationId xmlns:p14="http://schemas.microsoft.com/office/powerpoint/2010/main" val="2510823477"/>
+        <p14:creationId xmlns:p14="http://schemas.microsoft.com/office/powerpoint/2010/main" val="4291066837"/>
       </p:ext>
     </p:extLst>
   </p:cSld>
@@ -2011,7 +2451,7 @@
           <a:p>
             <a:fld id="{D18B56EA-E28F-4F92-9F16-7A6F2501B303}" type="datetime8">
               <a:rPr lang="en-US" smtClean="0"/>
-              <a:t>3/2/2019 4:57 PM</a:t>
+              <a:t>2/27/20 3:57 PM</a:t>
             </a:fld>
             <a:endParaRPr lang="en-US" dirty="0"/>
           </a:p>
@@ -2035,7 +2475,7 @@
             <a:fld id="{B4008EB6-D09E-4580-8CD6-DDB14511944F}" type="slidenum">
               <a:rPr lang="en-US" smtClean="0"/>
               <a:pPr/>
-              <a:t>11</a:t>
+              <a:t>7</a:t>
             </a:fld>
             <a:endParaRPr lang="en-US" dirty="0"/>
           </a:p>
@@ -2044,7 +2484,369 @@
     </p:spTree>
     <p:extLst>
       <p:ext uri="{BB962C8B-B14F-4D97-AF65-F5344CB8AC3E}">
-        <p14:creationId xmlns:p14="http://schemas.microsoft.com/office/powerpoint/2010/main" val="1685519606"/>
+        <p14:creationId xmlns:p14="http://schemas.microsoft.com/office/powerpoint/2010/main" val="4271143038"/>
+      </p:ext>
+    </p:extLst>
+  </p:cSld>
+  <p:clrMapOvr>
+    <a:masterClrMapping/>
+  </p:clrMapOvr>
+</p:notes>
+</file>
+
+<file path=ppt/notesSlides/notesSlide8.xml><?xml version="1.0" encoding="utf-8"?>
+<p:notes xmlns:a="http://schemas.openxmlformats.org/drawingml/2006/main" xmlns:r="http://schemas.openxmlformats.org/officeDocument/2006/relationships" xmlns:p="http://schemas.openxmlformats.org/presentationml/2006/main">
+  <p:cSld>
+    <p:spTree>
+      <p:nvGrpSpPr>
+        <p:cNvPr id="1" name=""/>
+        <p:cNvGrpSpPr/>
+        <p:nvPr/>
+      </p:nvGrpSpPr>
+      <p:grpSpPr>
+        <a:xfrm>
+          <a:off x="0" y="0"/>
+          <a:ext cx="0" cy="0"/>
+          <a:chOff x="0" y="0"/>
+          <a:chExt cx="0" cy="0"/>
+        </a:xfrm>
+      </p:grpSpPr>
+      <p:sp>
+        <p:nvSpPr>
+          <p:cNvPr id="2" name="Slide Image Placeholder 1"/>
+          <p:cNvSpPr>
+            <a:spLocks noGrp="1" noRot="1" noChangeAspect="1"/>
+          </p:cNvSpPr>
+          <p:nvPr>
+            <p:ph type="sldImg"/>
+          </p:nvPr>
+        </p:nvSpPr>
+        <p:spPr/>
+      </p:sp>
+      <p:sp>
+        <p:nvSpPr>
+          <p:cNvPr id="3" name="Notes Placeholder 2"/>
+          <p:cNvSpPr>
+            <a:spLocks noGrp="1"/>
+          </p:cNvSpPr>
+          <p:nvPr>
+            <p:ph type="body" idx="1"/>
+          </p:nvPr>
+        </p:nvSpPr>
+        <p:spPr/>
+        <p:txBody>
+          <a:bodyPr/>
+          <a:lstStyle/>
+          <a:p>
+            <a:endParaRPr lang="en-US" dirty="0"/>
+          </a:p>
+        </p:txBody>
+      </p:sp>
+      <p:sp>
+        <p:nvSpPr>
+          <p:cNvPr id="4" name="Header Placeholder 3"/>
+          <p:cNvSpPr>
+            <a:spLocks noGrp="1"/>
+          </p:cNvSpPr>
+          <p:nvPr>
+            <p:ph type="hdr" sz="quarter" idx="10"/>
+          </p:nvPr>
+        </p:nvSpPr>
+        <p:spPr/>
+        <p:txBody>
+          <a:bodyPr/>
+          <a:lstStyle/>
+          <a:p>
+            <a:endParaRPr lang="en-US" dirty="0"/>
+          </a:p>
+        </p:txBody>
+      </p:sp>
+      <p:sp>
+        <p:nvSpPr>
+          <p:cNvPr id="5" name="Footer Placeholder 4"/>
+          <p:cNvSpPr>
+            <a:spLocks noGrp="1"/>
+          </p:cNvSpPr>
+          <p:nvPr>
+            <p:ph type="ftr" sz="quarter" idx="11"/>
+          </p:nvPr>
+        </p:nvSpPr>
+        <p:spPr/>
+        <p:txBody>
+          <a:bodyPr/>
+          <a:lstStyle/>
+          <a:p>
+            <a:pPr defTabSz="914099" eaLnBrk="0" hangingPunct="0"/>
+            <a:r>
+              <a:rPr lang="en-US" sz="400">
+                <a:gradFill>
+                  <a:gsLst>
+                    <a:gs pos="0">
+                      <a:prstClr val="black"/>
+                    </a:gs>
+                    <a:gs pos="100000">
+                      <a:prstClr val="black"/>
+                    </a:gs>
+                  </a:gsLst>
+                  <a:lin ang="5400000" scaled="0"/>
+                </a:gradFill>
+                <a:latin typeface="Segoe UI" pitchFamily="34" charset="0"/>
+                <a:ea typeface="Segoe UI" pitchFamily="34" charset="0"/>
+                <a:cs typeface="Segoe UI" pitchFamily="34" charset="0"/>
+              </a:rPr>
+              <a:t>© Microsoft Corporation. All rights reserved. MICROSOFT MAKES NO WARRANTIES, EXPRESS, IMPLIED OR STATUTORY, AS TO THE INFORMATION IN THIS PRESENTATION.</a:t>
+            </a:r>
+            <a:endParaRPr lang="en-US" sz="400" dirty="0">
+              <a:gradFill>
+                <a:gsLst>
+                  <a:gs pos="0">
+                    <a:prstClr val="black"/>
+                  </a:gs>
+                  <a:gs pos="100000">
+                    <a:prstClr val="black"/>
+                  </a:gs>
+                </a:gsLst>
+                <a:lin ang="5400000" scaled="0"/>
+              </a:gradFill>
+              <a:latin typeface="Segoe UI" pitchFamily="34" charset="0"/>
+              <a:ea typeface="Segoe UI" pitchFamily="34" charset="0"/>
+              <a:cs typeface="Segoe UI" pitchFamily="34" charset="0"/>
+            </a:endParaRPr>
+          </a:p>
+        </p:txBody>
+      </p:sp>
+      <p:sp>
+        <p:nvSpPr>
+          <p:cNvPr id="6" name="Date Placeholder 5"/>
+          <p:cNvSpPr>
+            <a:spLocks noGrp="1"/>
+          </p:cNvSpPr>
+          <p:nvPr>
+            <p:ph type="dt" idx="12"/>
+          </p:nvPr>
+        </p:nvSpPr>
+        <p:spPr/>
+        <p:txBody>
+          <a:bodyPr/>
+          <a:lstStyle/>
+          <a:p>
+            <a:fld id="{D18B56EA-E28F-4F92-9F16-7A6F2501B303}" type="datetime8">
+              <a:rPr lang="en-US" smtClean="0"/>
+              <a:t>2/27/20 3:57 PM</a:t>
+            </a:fld>
+            <a:endParaRPr lang="en-US" dirty="0"/>
+          </a:p>
+        </p:txBody>
+      </p:sp>
+      <p:sp>
+        <p:nvSpPr>
+          <p:cNvPr id="7" name="Slide Number Placeholder 6"/>
+          <p:cNvSpPr>
+            <a:spLocks noGrp="1"/>
+          </p:cNvSpPr>
+          <p:nvPr>
+            <p:ph type="sldNum" sz="quarter" idx="13"/>
+          </p:nvPr>
+        </p:nvSpPr>
+        <p:spPr/>
+        <p:txBody>
+          <a:bodyPr/>
+          <a:lstStyle/>
+          <a:p>
+            <a:fld id="{B4008EB6-D09E-4580-8CD6-DDB14511944F}" type="slidenum">
+              <a:rPr lang="en-US" smtClean="0"/>
+              <a:pPr/>
+              <a:t>9</a:t>
+            </a:fld>
+            <a:endParaRPr lang="en-US" dirty="0"/>
+          </a:p>
+        </p:txBody>
+      </p:sp>
+    </p:spTree>
+    <p:extLst>
+      <p:ext uri="{BB962C8B-B14F-4D97-AF65-F5344CB8AC3E}">
+        <p14:creationId xmlns:p14="http://schemas.microsoft.com/office/powerpoint/2010/main" val="3282806226"/>
+      </p:ext>
+    </p:extLst>
+  </p:cSld>
+  <p:clrMapOvr>
+    <a:masterClrMapping/>
+  </p:clrMapOvr>
+</p:notes>
+</file>
+
+<file path=ppt/notesSlides/notesSlide9.xml><?xml version="1.0" encoding="utf-8"?>
+<p:notes xmlns:a="http://schemas.openxmlformats.org/drawingml/2006/main" xmlns:r="http://schemas.openxmlformats.org/officeDocument/2006/relationships" xmlns:p="http://schemas.openxmlformats.org/presentationml/2006/main">
+  <p:cSld>
+    <p:spTree>
+      <p:nvGrpSpPr>
+        <p:cNvPr id="1" name=""/>
+        <p:cNvGrpSpPr/>
+        <p:nvPr/>
+      </p:nvGrpSpPr>
+      <p:grpSpPr>
+        <a:xfrm>
+          <a:off x="0" y="0"/>
+          <a:ext cx="0" cy="0"/>
+          <a:chOff x="0" y="0"/>
+          <a:chExt cx="0" cy="0"/>
+        </a:xfrm>
+      </p:grpSpPr>
+      <p:sp>
+        <p:nvSpPr>
+          <p:cNvPr id="2" name="Slide Image Placeholder 1"/>
+          <p:cNvSpPr>
+            <a:spLocks noGrp="1" noRot="1" noChangeAspect="1"/>
+          </p:cNvSpPr>
+          <p:nvPr>
+            <p:ph type="sldImg"/>
+          </p:nvPr>
+        </p:nvSpPr>
+        <p:spPr/>
+      </p:sp>
+      <p:sp>
+        <p:nvSpPr>
+          <p:cNvPr id="3" name="Notes Placeholder 2"/>
+          <p:cNvSpPr>
+            <a:spLocks noGrp="1"/>
+          </p:cNvSpPr>
+          <p:nvPr>
+            <p:ph type="body" idx="1"/>
+          </p:nvPr>
+        </p:nvSpPr>
+        <p:spPr/>
+        <p:txBody>
+          <a:bodyPr/>
+          <a:lstStyle/>
+          <a:p>
+            <a:endParaRPr lang="en-US"/>
+          </a:p>
+        </p:txBody>
+      </p:sp>
+      <p:sp>
+        <p:nvSpPr>
+          <p:cNvPr id="4" name="Header Placeholder 3"/>
+          <p:cNvSpPr>
+            <a:spLocks noGrp="1"/>
+          </p:cNvSpPr>
+          <p:nvPr>
+            <p:ph type="hdr" sz="quarter" idx="10"/>
+          </p:nvPr>
+        </p:nvSpPr>
+        <p:spPr/>
+        <p:txBody>
+          <a:bodyPr/>
+          <a:lstStyle/>
+          <a:p>
+            <a:endParaRPr lang="en-US" dirty="0"/>
+          </a:p>
+        </p:txBody>
+      </p:sp>
+      <p:sp>
+        <p:nvSpPr>
+          <p:cNvPr id="5" name="Footer Placeholder 4"/>
+          <p:cNvSpPr>
+            <a:spLocks noGrp="1"/>
+          </p:cNvSpPr>
+          <p:nvPr>
+            <p:ph type="ftr" sz="quarter" idx="11"/>
+          </p:nvPr>
+        </p:nvSpPr>
+        <p:spPr/>
+        <p:txBody>
+          <a:bodyPr/>
+          <a:lstStyle/>
+          <a:p>
+            <a:pPr defTabSz="914099" eaLnBrk="0" hangingPunct="0"/>
+            <a:r>
+              <a:rPr lang="en-US" sz="400">
+                <a:gradFill>
+                  <a:gsLst>
+                    <a:gs pos="0">
+                      <a:prstClr val="black"/>
+                    </a:gs>
+                    <a:gs pos="100000">
+                      <a:prstClr val="black"/>
+                    </a:gs>
+                  </a:gsLst>
+                  <a:lin ang="5400000" scaled="0"/>
+                </a:gradFill>
+                <a:latin typeface="Segoe UI" pitchFamily="34" charset="0"/>
+                <a:ea typeface="Segoe UI" pitchFamily="34" charset="0"/>
+                <a:cs typeface="Segoe UI" pitchFamily="34" charset="0"/>
+              </a:rPr>
+              <a:t>© Microsoft Corporation. All rights reserved. MICROSOFT MAKES NO WARRANTIES, EXPRESS, IMPLIED OR STATUTORY, AS TO THE INFORMATION IN THIS PRESENTATION.</a:t>
+            </a:r>
+            <a:endParaRPr lang="en-US" sz="400" dirty="0">
+              <a:gradFill>
+                <a:gsLst>
+                  <a:gs pos="0">
+                    <a:prstClr val="black"/>
+                  </a:gs>
+                  <a:gs pos="100000">
+                    <a:prstClr val="black"/>
+                  </a:gs>
+                </a:gsLst>
+                <a:lin ang="5400000" scaled="0"/>
+              </a:gradFill>
+              <a:latin typeface="Segoe UI" pitchFamily="34" charset="0"/>
+              <a:ea typeface="Segoe UI" pitchFamily="34" charset="0"/>
+              <a:cs typeface="Segoe UI" pitchFamily="34" charset="0"/>
+            </a:endParaRPr>
+          </a:p>
+        </p:txBody>
+      </p:sp>
+      <p:sp>
+        <p:nvSpPr>
+          <p:cNvPr id="6" name="Date Placeholder 5"/>
+          <p:cNvSpPr>
+            <a:spLocks noGrp="1"/>
+          </p:cNvSpPr>
+          <p:nvPr>
+            <p:ph type="dt" idx="12"/>
+          </p:nvPr>
+        </p:nvSpPr>
+        <p:spPr/>
+        <p:txBody>
+          <a:bodyPr/>
+          <a:lstStyle/>
+          <a:p>
+            <a:fld id="{D18B56EA-E28F-4F92-9F16-7A6F2501B303}" type="datetime8">
+              <a:rPr lang="en-US" smtClean="0"/>
+              <a:t>2/27/20 3:57 PM</a:t>
+            </a:fld>
+            <a:endParaRPr lang="en-US" dirty="0"/>
+          </a:p>
+        </p:txBody>
+      </p:sp>
+      <p:sp>
+        <p:nvSpPr>
+          <p:cNvPr id="7" name="Slide Number Placeholder 6"/>
+          <p:cNvSpPr>
+            <a:spLocks noGrp="1"/>
+          </p:cNvSpPr>
+          <p:nvPr>
+            <p:ph type="sldNum" sz="quarter" idx="13"/>
+          </p:nvPr>
+        </p:nvSpPr>
+        <p:spPr/>
+        <p:txBody>
+          <a:bodyPr/>
+          <a:lstStyle/>
+          <a:p>
+            <a:fld id="{B4008EB6-D09E-4580-8CD6-DDB14511944F}" type="slidenum">
+              <a:rPr lang="en-US" smtClean="0"/>
+              <a:pPr/>
+              <a:t>10</a:t>
+            </a:fld>
+            <a:endParaRPr lang="en-US" dirty="0"/>
+          </a:p>
+        </p:txBody>
+      </p:sp>
+    </p:spTree>
+    <p:extLst>
+      <p:ext uri="{BB962C8B-B14F-4D97-AF65-F5344CB8AC3E}">
+        <p14:creationId xmlns:p14="http://schemas.microsoft.com/office/powerpoint/2010/main" val="2510823477"/>
       </p:ext>
     </p:extLst>
   </p:cSld>
@@ -14579,7 +15381,7 @@
       </a:lvl9pPr>
     </p:otherStyle>
   </p:txStyles>
-  <p:extLst mod="1">
+  <p:extLst>
     <p:ext uri="{27BBF7A9-308A-43DC-89C8-2F10F3537804}">
       <p15:sldGuideLst xmlns:p15="http://schemas.microsoft.com/office/powerpoint/2012/main">
         <p15:guide id="3" pos="1381" userDrawn="1">
@@ -15073,7 +15875,15 @@
           <a:p>
             <a:r>
               <a:rPr lang="en-US" sz="2800" dirty="0"/>
-              <a:t>Introducing the Property Pane</a:t>
+              <a:t>Leverage the </a:t>
+            </a:r>
+            <a:r>
+              <a:rPr lang="en-US" sz="2800" dirty="0" err="1"/>
+              <a:t>SPFx</a:t>
+            </a:r>
+            <a:r>
+              <a:rPr lang="en-US" sz="2800" dirty="0"/>
+              <a:t> PnP Reusable Property Pane Controls</a:t>
             </a:r>
           </a:p>
         </p:txBody>
@@ -15357,7 +16167,7 @@
           <a:p>
             <a:r>
               <a:rPr lang="en-US" dirty="0">
-                <a:hlinkClick r:id="rId2"/>
+                <a:hlinkClick r:id="rId3"/>
               </a:rPr>
               <a:t>https://sharepoint.github.io/sp-dev-fx-property-controls</a:t>
             </a:r>
@@ -15421,7 +16231,7 @@
           <p:nvPr/>
         </p:nvPicPr>
         <p:blipFill>
-          <a:blip r:embed="rId3"/>
+          <a:blip r:embed="rId4"/>
           <a:stretch>
             <a:fillRect/>
           </a:stretch>
@@ -15603,7 +16413,7 @@
           <p:nvPr/>
         </p:nvPicPr>
         <p:blipFill>
-          <a:blip r:embed="rId2"/>
+          <a:blip r:embed="rId3"/>
           <a:stretch>
             <a:fillRect/>
           </a:stretch>
@@ -15633,7 +16443,7 @@
           <p:nvPr/>
         </p:nvPicPr>
         <p:blipFill>
-          <a:blip r:embed="rId3"/>
+          <a:blip r:embed="rId4"/>
           <a:stretch>
             <a:fillRect/>
           </a:stretch>
@@ -15663,14 +16473,14 @@
           <p:nvPr/>
         </p:nvPicPr>
         <p:blipFill>
-          <a:blip r:embed="rId4"/>
+          <a:blip r:embed="rId5"/>
           <a:stretch>
             <a:fillRect/>
           </a:stretch>
         </p:blipFill>
         <p:spPr>
           <a:xfrm>
-            <a:off x="7662068" y="3366325"/>
+            <a:off x="7675563" y="3381375"/>
             <a:ext cx="3455988" cy="3332926"/>
           </a:xfrm>
           <a:prstGeom prst="rect">

--- a/03 pnpcontrols.pptx
+++ b/03 pnpcontrols.pptx
@@ -264,7 +264,7 @@
               <a:rPr lang="en-US" smtClean="0">
                 <a:latin typeface="Segoe UI" pitchFamily="34" charset="0"/>
               </a:rPr>
-              <a:t>2/27/20 3:57 PM</a:t>
+              <a:t>8/23/2020 10:44 AM</a:t>
             </a:fld>
             <a:endParaRPr lang="en-US" dirty="0">
               <a:latin typeface="Segoe UI" pitchFamily="34" charset="0"/>
@@ -561,7 +561,7 @@
           <a:p>
             <a:fld id="{D18B56EA-E28F-4F92-9F16-7A6F2501B303}" type="datetime8">
               <a:rPr lang="en-US" smtClean="0"/>
-              <a:t>2/27/20 3:57 PM</a:t>
+              <a:t>8/23/2020 10:44 AM</a:t>
             </a:fld>
             <a:endParaRPr lang="en-US" dirty="0"/>
           </a:p>
@@ -944,7 +944,7 @@
           <a:p>
             <a:fld id="{D18B56EA-E28F-4F92-9F16-7A6F2501B303}" type="datetime8">
               <a:rPr lang="en-US" smtClean="0"/>
-              <a:t>2/27/20 3:57 PM</a:t>
+              <a:t>8/23/2020 10:44 AM</a:t>
             </a:fld>
             <a:endParaRPr lang="en-US" dirty="0"/>
           </a:p>
@@ -1125,7 +1125,7 @@
           <a:p>
             <a:fld id="{D18B56EA-E28F-4F92-9F16-7A6F2501B303}" type="datetime8">
               <a:rPr lang="en-US" smtClean="0"/>
-              <a:t>2/27/20 3:57 PM</a:t>
+              <a:t>8/23/2020 10:44 AM</a:t>
             </a:fld>
             <a:endParaRPr lang="en-US" dirty="0"/>
           </a:p>
@@ -1361,7 +1361,7 @@
           <a:p>
             <a:fld id="{D18B56EA-E28F-4F92-9F16-7A6F2501B303}" type="datetime8">
               <a:rPr lang="en-US" smtClean="0"/>
-              <a:t>2/27/20 4:15 PM</a:t>
+              <a:t>8/23/2020 10:44 AM</a:t>
             </a:fld>
             <a:endParaRPr lang="en-US" dirty="0"/>
           </a:p>
@@ -1467,8 +1467,14 @@
           </a:p>
           <a:p>
             <a:r>
-              <a:rPr lang="en-US" dirty="0"/>
-              <a:t>This common requirement could be simplified in that a developer could create a custom property pane field control that when added to the property pane, contained the logic to retrieve all lists from the current SharePoint site and display them in a dropdown control. You could also include settings on the control to include or exclude hidden lists, exclude SharePoint infrastructure lists such as the Master Page Gallery or Client Side Assets library, or other settings.</a:t>
+              <a:rPr lang="en-US" b="0" dirty="0">
+                <a:solidFill>
+                  <a:srgbClr val="000000"/>
+                </a:solidFill>
+                <a:effectLst/>
+                <a:latin typeface="Consolas" panose="020B0609020204030204" pitchFamily="49" charset="0"/>
+              </a:rPr>
+              <a:t>This common requirement could be simplified so that a developer could create a custom property pane field control that, when added to the property pane, contained the logic to retrieve all lists from the current SharePoint site and display them in a dropdown control. You could also include settings on the control to include or exclude hidden lists, exclude SharePoint infrastructure lists such as the Master Page Gallery or Client Side Assets library, or other settings.</a:t>
             </a:r>
           </a:p>
           <a:p>
@@ -1780,7 +1786,7 @@
           <a:p>
             <a:fld id="{D18B56EA-E28F-4F92-9F16-7A6F2501B303}" type="datetime8">
               <a:rPr lang="en-US" smtClean="0"/>
-              <a:t>2/28/20 5:42 AM</a:t>
+              <a:t>8/23/2020 10:44 AM</a:t>
             </a:fld>
             <a:endParaRPr lang="en-US" dirty="0"/>
           </a:p>
@@ -2030,7 +2036,7 @@
           <a:p>
             <a:fld id="{D18B56EA-E28F-4F92-9F16-7A6F2501B303}" type="datetime8">
               <a:rPr lang="en-US" smtClean="0"/>
-              <a:t>2/28/20 5:47 AM</a:t>
+              <a:t>8/23/2020 10:44 AM</a:t>
             </a:fld>
             <a:endParaRPr lang="en-US" dirty="0"/>
           </a:p>
@@ -2270,7 +2276,7 @@
           <a:p>
             <a:fld id="{D18B56EA-E28F-4F92-9F16-7A6F2501B303}" type="datetime8">
               <a:rPr lang="en-US" smtClean="0"/>
-              <a:t>2/28/20 6:04 AM</a:t>
+              <a:t>8/23/2020 10:44 AM</a:t>
             </a:fld>
             <a:endParaRPr lang="en-US" dirty="0"/>
           </a:p>
@@ -2451,7 +2457,7 @@
           <a:p>
             <a:fld id="{D18B56EA-E28F-4F92-9F16-7A6F2501B303}" type="datetime8">
               <a:rPr lang="en-US" smtClean="0"/>
-              <a:t>2/27/20 3:57 PM</a:t>
+              <a:t>8/23/2020 10:44 AM</a:t>
             </a:fld>
             <a:endParaRPr lang="en-US" dirty="0"/>
           </a:p>
@@ -2632,7 +2638,7 @@
           <a:p>
             <a:fld id="{D18B56EA-E28F-4F92-9F16-7A6F2501B303}" type="datetime8">
               <a:rPr lang="en-US" smtClean="0"/>
-              <a:t>2/27/20 3:57 PM</a:t>
+              <a:t>8/23/2020 10:44 AM</a:t>
             </a:fld>
             <a:endParaRPr lang="en-US" dirty="0"/>
           </a:p>
@@ -2813,7 +2819,7 @@
           <a:p>
             <a:fld id="{D18B56EA-E28F-4F92-9F16-7A6F2501B303}" type="datetime8">
               <a:rPr lang="en-US" smtClean="0"/>
-              <a:t>2/27/20 3:57 PM</a:t>
+              <a:t>8/23/2020 10:44 AM</a:t>
             </a:fld>
             <a:endParaRPr lang="en-US" dirty="0"/>
           </a:p>

--- a/03 pnpcontrols.pptx
+++ b/03 pnpcontrols.pptx
@@ -264,7 +264,7 @@
               <a:rPr lang="en-US" smtClean="0">
                 <a:latin typeface="Segoe UI" pitchFamily="34" charset="0"/>
               </a:rPr>
-              <a:t>8/23/2020 10:44 AM</a:t>
+              <a:t>11/9/2022 1:07 PM</a:t>
             </a:fld>
             <a:endParaRPr lang="en-US" dirty="0">
               <a:latin typeface="Segoe UI" pitchFamily="34" charset="0"/>
@@ -561,7 +561,7 @@
           <a:p>
             <a:fld id="{D18B56EA-E28F-4F92-9F16-7A6F2501B303}" type="datetime8">
               <a:rPr lang="en-US" smtClean="0"/>
-              <a:t>8/23/2020 10:44 AM</a:t>
+              <a:t>11/9/2022 1:07 PM</a:t>
             </a:fld>
             <a:endParaRPr lang="en-US" dirty="0"/>
           </a:p>
@@ -944,7 +944,7 @@
           <a:p>
             <a:fld id="{D18B56EA-E28F-4F92-9F16-7A6F2501B303}" type="datetime8">
               <a:rPr lang="en-US" smtClean="0"/>
-              <a:t>8/23/2020 10:44 AM</a:t>
+              <a:t>11/9/2022 1:07 PM</a:t>
             </a:fld>
             <a:endParaRPr lang="en-US" dirty="0"/>
           </a:p>
@@ -1125,7 +1125,7 @@
           <a:p>
             <a:fld id="{D18B56EA-E28F-4F92-9F16-7A6F2501B303}" type="datetime8">
               <a:rPr lang="en-US" smtClean="0"/>
-              <a:t>8/23/2020 10:44 AM</a:t>
+              <a:t>11/9/2022 1:07 PM</a:t>
             </a:fld>
             <a:endParaRPr lang="en-US" dirty="0"/>
           </a:p>
@@ -1361,7 +1361,7 @@
           <a:p>
             <a:fld id="{D18B56EA-E28F-4F92-9F16-7A6F2501B303}" type="datetime8">
               <a:rPr lang="en-US" smtClean="0"/>
-              <a:t>8/23/2020 10:44 AM</a:t>
+              <a:t>11/9/2022 1:07 PM</a:t>
             </a:fld>
             <a:endParaRPr lang="en-US" dirty="0"/>
           </a:p>
@@ -1786,7 +1786,7 @@
           <a:p>
             <a:fld id="{D18B56EA-E28F-4F92-9F16-7A6F2501B303}" type="datetime8">
               <a:rPr lang="en-US" smtClean="0"/>
-              <a:t>8/23/2020 10:44 AM</a:t>
+              <a:t>11/9/2022 1:07 PM</a:t>
             </a:fld>
             <a:endParaRPr lang="en-US" dirty="0"/>
           </a:p>
@@ -2036,7 +2036,7 @@
           <a:p>
             <a:fld id="{D18B56EA-E28F-4F92-9F16-7A6F2501B303}" type="datetime8">
               <a:rPr lang="en-US" smtClean="0"/>
-              <a:t>8/23/2020 10:44 AM</a:t>
+              <a:t>11/9/2022 1:07 PM</a:t>
             </a:fld>
             <a:endParaRPr lang="en-US" dirty="0"/>
           </a:p>
@@ -2276,7 +2276,7 @@
           <a:p>
             <a:fld id="{D18B56EA-E28F-4F92-9F16-7A6F2501B303}" type="datetime8">
               <a:rPr lang="en-US" smtClean="0"/>
-              <a:t>8/23/2020 10:44 AM</a:t>
+              <a:t>11/9/2022 1:07 PM</a:t>
             </a:fld>
             <a:endParaRPr lang="en-US" dirty="0"/>
           </a:p>
@@ -2457,7 +2457,7 @@
           <a:p>
             <a:fld id="{D18B56EA-E28F-4F92-9F16-7A6F2501B303}" type="datetime8">
               <a:rPr lang="en-US" smtClean="0"/>
-              <a:t>8/23/2020 10:44 AM</a:t>
+              <a:t>11/9/2022 1:07 PM</a:t>
             </a:fld>
             <a:endParaRPr lang="en-US" dirty="0"/>
           </a:p>
@@ -2638,7 +2638,7 @@
           <a:p>
             <a:fld id="{D18B56EA-E28F-4F92-9F16-7A6F2501B303}" type="datetime8">
               <a:rPr lang="en-US" smtClean="0"/>
-              <a:t>8/23/2020 10:44 AM</a:t>
+              <a:t>11/9/2022 1:07 PM</a:t>
             </a:fld>
             <a:endParaRPr lang="en-US" dirty="0"/>
           </a:p>
@@ -2819,7 +2819,7 @@
           <a:p>
             <a:fld id="{D18B56EA-E28F-4F92-9F16-7A6F2501B303}" type="datetime8">
               <a:rPr lang="en-US" smtClean="0"/>
-              <a:t>8/23/2020 10:44 AM</a:t>
+              <a:t>11/9/2022 1:07 PM</a:t>
             </a:fld>
             <a:endParaRPr lang="en-US" dirty="0"/>
           </a:p>
@@ -17805,7 +17805,7 @@
                 <a:latin typeface="+mj-lt"/>
                 <a:hlinkClick r:id="rId3"/>
               </a:rPr>
-              <a:t>https://docs.microsoft.com/sharepoint/dev/spfx/sharepoint-framework-overview</a:t>
+              <a:t>https://learn.microsoft.com/sharepoint/dev/spfx/sharepoint-framework-overview</a:t>
             </a:r>
             <a:endParaRPr lang="en-US" sz="1800" dirty="0">
               <a:latin typeface="+mj-lt"/>
@@ -17867,7 +17867,7 @@
                 <a:latin typeface="+mj-lt"/>
                 <a:hlinkClick r:id="rId4"/>
               </a:rPr>
-              <a:t>https://docs.microsoft.com/sharepoint/dev/spfx/web-parts/basics/integrate-with-property-pane</a:t>
+              <a:t>https://learn.microsoft.com/sharepoint/dev/spfx/web-parts/basics/integrate-with-property-pane</a:t>
             </a:r>
             <a:r>
               <a:rPr lang="en-US" sz="1800" dirty="0">
